--- a/USN ES-UML4100 2018 Lecture 2 UML Overview.pptx
+++ b/USN ES-UML4100 2018 Lecture 2 UML Overview.pptx
@@ -218,7 +218,7 @@
           <a:p>
             <a:fld id="{252B020B-173A-47A4-BEB6-BF22FB4B07DC}" type="datetimeFigureOut">
               <a:rPr lang="en-GB" smtClean="0"/>
-              <a:t>19/08/2018</a:t>
+              <a:t>03/09/2018</a:t>
             </a:fld>
             <a:endParaRPr lang="en-GB"/>
           </a:p>
@@ -282,35 +282,35 @@
           <a:p>
             <a:pPr lvl="0"/>
             <a:r>
-              <a:rPr lang="en-US" smtClean="0"/>
+              <a:rPr lang="en-US"/>
               <a:t>Click to edit Master text styles</a:t>
             </a:r>
           </a:p>
           <a:p>
             <a:pPr lvl="1"/>
             <a:r>
-              <a:rPr lang="en-US" smtClean="0"/>
+              <a:rPr lang="en-US"/>
               <a:t>Second level</a:t>
             </a:r>
           </a:p>
           <a:p>
             <a:pPr lvl="2"/>
             <a:r>
-              <a:rPr lang="en-US" smtClean="0"/>
+              <a:rPr lang="en-US"/>
               <a:t>Third level</a:t>
             </a:r>
           </a:p>
           <a:p>
             <a:pPr lvl="3"/>
             <a:r>
-              <a:rPr lang="en-US" smtClean="0"/>
+              <a:rPr lang="en-US"/>
               <a:t>Fourth level</a:t>
             </a:r>
           </a:p>
           <a:p>
             <a:pPr lvl="4"/>
             <a:r>
-              <a:rPr lang="en-US" smtClean="0"/>
+              <a:rPr lang="en-US"/>
               <a:t>Fifth level</a:t>
             </a:r>
             <a:endParaRPr lang="en-GB"/>
@@ -529,10 +529,9 @@
           </a:lstStyle>
           <a:p>
             <a:r>
-              <a:rPr kumimoji="0" lang="en-US" smtClean="0"/>
+              <a:rPr kumimoji="0" lang="en-US"/>
               <a:t>Click to edit Master title style</a:t>
             </a:r>
-            <a:endParaRPr kumimoji="0" lang="en-US"/>
           </a:p>
         </p:txBody>
       </p:sp>
@@ -594,10 +593,9 @@
           </a:lstStyle>
           <a:p>
             <a:r>
-              <a:rPr kumimoji="0" lang="en-US" smtClean="0"/>
+              <a:rPr kumimoji="0" lang="en-US"/>
               <a:t>Click to edit Master subtitle style</a:t>
             </a:r>
-            <a:endParaRPr kumimoji="0" lang="en-US"/>
           </a:p>
         </p:txBody>
       </p:sp>
@@ -618,7 +616,7 @@
           <a:p>
             <a:fld id="{CED225E3-42E6-458A-83BC-D3D9B74A4048}" type="datetime1">
               <a:rPr lang="en-GB" smtClean="0"/>
-              <a:t>19/08/2018</a:t>
+              <a:t>03/09/2018</a:t>
             </a:fld>
             <a:endParaRPr lang="en-GB"/>
           </a:p>
@@ -640,10 +638,9 @@
           <a:lstStyle/>
           <a:p>
             <a:r>
-              <a:rPr lang="en-GB" smtClean="0"/>
+              <a:rPr lang="en-GB"/>
               <a:t>USN ES UML4100 Lecture 2</a:t>
             </a:r>
-            <a:endParaRPr lang="en-GB"/>
           </a:p>
         </p:txBody>
       </p:sp>
@@ -845,10 +842,9 @@
           <a:lstStyle/>
           <a:p>
             <a:r>
-              <a:rPr kumimoji="0" lang="en-US" smtClean="0"/>
+              <a:rPr kumimoji="0" lang="en-US"/>
               <a:t>Click to edit Master title style</a:t>
             </a:r>
-            <a:endParaRPr kumimoji="0" lang="en-US"/>
           </a:p>
         </p:txBody>
       </p:sp>
@@ -869,35 +865,35 @@
           <a:p>
             <a:pPr lvl="0" eaLnBrk="1" latinLnBrk="0" hangingPunct="1"/>
             <a:r>
-              <a:rPr lang="en-US" smtClean="0"/>
+              <a:rPr lang="en-US"/>
               <a:t>Click to edit Master text styles</a:t>
             </a:r>
           </a:p>
           <a:p>
             <a:pPr lvl="1" eaLnBrk="1" latinLnBrk="0" hangingPunct="1"/>
             <a:r>
-              <a:rPr lang="en-US" smtClean="0"/>
+              <a:rPr lang="en-US"/>
               <a:t>Second level</a:t>
             </a:r>
           </a:p>
           <a:p>
             <a:pPr lvl="2" eaLnBrk="1" latinLnBrk="0" hangingPunct="1"/>
             <a:r>
-              <a:rPr lang="en-US" smtClean="0"/>
+              <a:rPr lang="en-US"/>
               <a:t>Third level</a:t>
             </a:r>
           </a:p>
           <a:p>
             <a:pPr lvl="3" eaLnBrk="1" latinLnBrk="0" hangingPunct="1"/>
             <a:r>
-              <a:rPr lang="en-US" smtClean="0"/>
+              <a:rPr lang="en-US"/>
               <a:t>Fourth level</a:t>
             </a:r>
           </a:p>
           <a:p>
             <a:pPr lvl="4" eaLnBrk="1" latinLnBrk="0" hangingPunct="1"/>
             <a:r>
-              <a:rPr lang="en-US" smtClean="0"/>
+              <a:rPr lang="en-US"/>
               <a:t>Fifth level</a:t>
             </a:r>
             <a:endParaRPr kumimoji="0" lang="en-US"/>
@@ -921,7 +917,7 @@
           <a:p>
             <a:fld id="{D59089D3-010A-4C79-B2D3-8FA8C6CA7459}" type="datetime1">
               <a:rPr lang="en-GB" smtClean="0"/>
-              <a:t>19/08/2018</a:t>
+              <a:t>03/09/2018</a:t>
             </a:fld>
             <a:endParaRPr lang="en-GB"/>
           </a:p>
@@ -943,10 +939,9 @@
           <a:lstStyle/>
           <a:p>
             <a:r>
-              <a:rPr lang="en-GB" smtClean="0"/>
+              <a:rPr lang="en-GB"/>
               <a:t>USN ES UML4100 Lecture 2</a:t>
             </a:r>
-            <a:endParaRPr lang="en-GB"/>
           </a:p>
         </p:txBody>
       </p:sp>
@@ -1019,10 +1014,9 @@
           <a:lstStyle/>
           <a:p>
             <a:r>
-              <a:rPr kumimoji="0" lang="en-US" smtClean="0"/>
+              <a:rPr kumimoji="0" lang="en-US"/>
               <a:t>Click to edit Master title style</a:t>
             </a:r>
-            <a:endParaRPr kumimoji="0" lang="en-US"/>
           </a:p>
         </p:txBody>
       </p:sp>
@@ -1048,35 +1042,35 @@
           <a:p>
             <a:pPr lvl="0" eaLnBrk="1" latinLnBrk="0" hangingPunct="1"/>
             <a:r>
-              <a:rPr lang="en-US" smtClean="0"/>
+              <a:rPr lang="en-US"/>
               <a:t>Click to edit Master text styles</a:t>
             </a:r>
           </a:p>
           <a:p>
             <a:pPr lvl="1" eaLnBrk="1" latinLnBrk="0" hangingPunct="1"/>
             <a:r>
-              <a:rPr lang="en-US" smtClean="0"/>
+              <a:rPr lang="en-US"/>
               <a:t>Second level</a:t>
             </a:r>
           </a:p>
           <a:p>
             <a:pPr lvl="2" eaLnBrk="1" latinLnBrk="0" hangingPunct="1"/>
             <a:r>
-              <a:rPr lang="en-US" smtClean="0"/>
+              <a:rPr lang="en-US"/>
               <a:t>Third level</a:t>
             </a:r>
           </a:p>
           <a:p>
             <a:pPr lvl="3" eaLnBrk="1" latinLnBrk="0" hangingPunct="1"/>
             <a:r>
-              <a:rPr lang="en-US" smtClean="0"/>
+              <a:rPr lang="en-US"/>
               <a:t>Fourth level</a:t>
             </a:r>
           </a:p>
           <a:p>
             <a:pPr lvl="4" eaLnBrk="1" latinLnBrk="0" hangingPunct="1"/>
             <a:r>
-              <a:rPr lang="en-US" smtClean="0"/>
+              <a:rPr lang="en-US"/>
               <a:t>Fifth level</a:t>
             </a:r>
             <a:endParaRPr kumimoji="0" lang="en-US"/>
@@ -1100,7 +1094,7 @@
           <a:p>
             <a:fld id="{CAC8A02F-301C-4AFE-8170-495A104A9E7E}" type="datetime1">
               <a:rPr lang="en-GB" smtClean="0"/>
-              <a:t>19/08/2018</a:t>
+              <a:t>03/09/2018</a:t>
             </a:fld>
             <a:endParaRPr lang="en-GB"/>
           </a:p>
@@ -1122,10 +1116,9 @@
           <a:lstStyle/>
           <a:p>
             <a:r>
-              <a:rPr lang="en-GB" smtClean="0"/>
+              <a:rPr lang="en-GB"/>
               <a:t>USN ES UML4100 Lecture 2</a:t>
             </a:r>
-            <a:endParaRPr lang="en-GB"/>
           </a:p>
         </p:txBody>
       </p:sp>
@@ -1193,10 +1186,9 @@
           <a:lstStyle/>
           <a:p>
             <a:r>
-              <a:rPr kumimoji="0" lang="en-US" smtClean="0"/>
+              <a:rPr kumimoji="0" lang="en-US"/>
               <a:t>Click to edit Master title style</a:t>
             </a:r>
-            <a:endParaRPr kumimoji="0" lang="en-US"/>
           </a:p>
         </p:txBody>
       </p:sp>
@@ -1217,35 +1209,35 @@
           <a:p>
             <a:pPr lvl="0" eaLnBrk="1" latinLnBrk="0" hangingPunct="1"/>
             <a:r>
-              <a:rPr lang="en-US" smtClean="0"/>
+              <a:rPr lang="en-US"/>
               <a:t>Click to edit Master text styles</a:t>
             </a:r>
           </a:p>
           <a:p>
             <a:pPr lvl="1" eaLnBrk="1" latinLnBrk="0" hangingPunct="1"/>
             <a:r>
-              <a:rPr lang="en-US" smtClean="0"/>
+              <a:rPr lang="en-US"/>
               <a:t>Second level</a:t>
             </a:r>
           </a:p>
           <a:p>
             <a:pPr lvl="2" eaLnBrk="1" latinLnBrk="0" hangingPunct="1"/>
             <a:r>
-              <a:rPr lang="en-US" smtClean="0"/>
+              <a:rPr lang="en-US"/>
               <a:t>Third level</a:t>
             </a:r>
           </a:p>
           <a:p>
             <a:pPr lvl="3" eaLnBrk="1" latinLnBrk="0" hangingPunct="1"/>
             <a:r>
-              <a:rPr lang="en-US" smtClean="0"/>
+              <a:rPr lang="en-US"/>
               <a:t>Fourth level</a:t>
             </a:r>
           </a:p>
           <a:p>
             <a:pPr lvl="4" eaLnBrk="1" latinLnBrk="0" hangingPunct="1"/>
             <a:r>
-              <a:rPr lang="en-US" smtClean="0"/>
+              <a:rPr lang="en-US"/>
               <a:t>Fifth level</a:t>
             </a:r>
             <a:endParaRPr kumimoji="0" lang="en-US"/>
@@ -1269,7 +1261,7 @@
           <a:p>
             <a:fld id="{AB7155D3-DEF8-4F68-8014-82266812D008}" type="datetime1">
               <a:rPr lang="en-GB" smtClean="0"/>
-              <a:t>19/08/2018</a:t>
+              <a:t>03/09/2018</a:t>
             </a:fld>
             <a:endParaRPr lang="en-GB"/>
           </a:p>
@@ -1291,10 +1283,9 @@
           <a:lstStyle/>
           <a:p>
             <a:r>
-              <a:rPr lang="en-GB" smtClean="0"/>
+              <a:rPr lang="en-GB"/>
               <a:t>USN ES UML4100 Lecture 2</a:t>
             </a:r>
-            <a:endParaRPr lang="en-GB"/>
           </a:p>
         </p:txBody>
       </p:sp>
@@ -1422,10 +1413,9 @@
           </a:lstStyle>
           <a:p>
             <a:r>
-              <a:rPr kumimoji="0" lang="en-US" smtClean="0"/>
+              <a:rPr kumimoji="0" lang="en-US"/>
               <a:t>Click to edit Master title style</a:t>
             </a:r>
-            <a:endParaRPr kumimoji="0" lang="en-US"/>
           </a:p>
         </p:txBody>
       </p:sp>
@@ -1510,7 +1500,7 @@
           <a:p>
             <a:pPr lvl="0" eaLnBrk="1" latinLnBrk="0" hangingPunct="1"/>
             <a:r>
-              <a:rPr kumimoji="0" lang="en-US" smtClean="0"/>
+              <a:rPr kumimoji="0" lang="en-US"/>
               <a:t>Click to edit Master text styles</a:t>
             </a:r>
           </a:p>
@@ -1533,7 +1523,7 @@
           <a:p>
             <a:fld id="{5888443E-CDE3-4EA1-8668-A6BDF8CD3786}" type="datetime1">
               <a:rPr lang="en-GB" smtClean="0"/>
-              <a:t>19/08/2018</a:t>
+              <a:t>03/09/2018</a:t>
             </a:fld>
             <a:endParaRPr lang="en-GB"/>
           </a:p>
@@ -1555,10 +1545,9 @@
           <a:lstStyle/>
           <a:p>
             <a:r>
-              <a:rPr lang="en-GB" smtClean="0"/>
+              <a:rPr lang="en-GB"/>
               <a:t>USN ES UML4100 Lecture 2</a:t>
             </a:r>
-            <a:endParaRPr lang="en-GB"/>
           </a:p>
         </p:txBody>
       </p:sp>
@@ -1819,10 +1808,9 @@
           <a:lstStyle/>
           <a:p>
             <a:r>
-              <a:rPr kumimoji="0" lang="en-US" smtClean="0"/>
+              <a:rPr kumimoji="0" lang="en-US"/>
               <a:t>Click to edit Master title style</a:t>
             </a:r>
-            <a:endParaRPr kumimoji="0" lang="en-US"/>
           </a:p>
         </p:txBody>
       </p:sp>
@@ -1865,35 +1853,35 @@
           <a:p>
             <a:pPr lvl="0" eaLnBrk="1" latinLnBrk="0" hangingPunct="1"/>
             <a:r>
-              <a:rPr lang="en-US" smtClean="0"/>
+              <a:rPr lang="en-US"/>
               <a:t>Click to edit Master text styles</a:t>
             </a:r>
           </a:p>
           <a:p>
             <a:pPr lvl="1" eaLnBrk="1" latinLnBrk="0" hangingPunct="1"/>
             <a:r>
-              <a:rPr lang="en-US" smtClean="0"/>
+              <a:rPr lang="en-US"/>
               <a:t>Second level</a:t>
             </a:r>
           </a:p>
           <a:p>
             <a:pPr lvl="2" eaLnBrk="1" latinLnBrk="0" hangingPunct="1"/>
             <a:r>
-              <a:rPr lang="en-US" smtClean="0"/>
+              <a:rPr lang="en-US"/>
               <a:t>Third level</a:t>
             </a:r>
           </a:p>
           <a:p>
             <a:pPr lvl="3" eaLnBrk="1" latinLnBrk="0" hangingPunct="1"/>
             <a:r>
-              <a:rPr lang="en-US" smtClean="0"/>
+              <a:rPr lang="en-US"/>
               <a:t>Fourth level</a:t>
             </a:r>
           </a:p>
           <a:p>
             <a:pPr lvl="4" eaLnBrk="1" latinLnBrk="0" hangingPunct="1"/>
             <a:r>
-              <a:rPr lang="en-US" smtClean="0"/>
+              <a:rPr lang="en-US"/>
               <a:t>Fifth level</a:t>
             </a:r>
             <a:endParaRPr kumimoji="0" lang="en-US"/>
@@ -1939,35 +1927,35 @@
           <a:p>
             <a:pPr lvl="0" eaLnBrk="1" latinLnBrk="0" hangingPunct="1"/>
             <a:r>
-              <a:rPr lang="en-US" smtClean="0"/>
+              <a:rPr lang="en-US"/>
               <a:t>Click to edit Master text styles</a:t>
             </a:r>
           </a:p>
           <a:p>
             <a:pPr lvl="1" eaLnBrk="1" latinLnBrk="0" hangingPunct="1"/>
             <a:r>
-              <a:rPr lang="en-US" smtClean="0"/>
+              <a:rPr lang="en-US"/>
               <a:t>Second level</a:t>
             </a:r>
           </a:p>
           <a:p>
             <a:pPr lvl="2" eaLnBrk="1" latinLnBrk="0" hangingPunct="1"/>
             <a:r>
-              <a:rPr lang="en-US" smtClean="0"/>
+              <a:rPr lang="en-US"/>
               <a:t>Third level</a:t>
             </a:r>
           </a:p>
           <a:p>
             <a:pPr lvl="3" eaLnBrk="1" latinLnBrk="0" hangingPunct="1"/>
             <a:r>
-              <a:rPr lang="en-US" smtClean="0"/>
+              <a:rPr lang="en-US"/>
               <a:t>Fourth level</a:t>
             </a:r>
           </a:p>
           <a:p>
             <a:pPr lvl="4" eaLnBrk="1" latinLnBrk="0" hangingPunct="1"/>
             <a:r>
-              <a:rPr lang="en-US" smtClean="0"/>
+              <a:rPr lang="en-US"/>
               <a:t>Fifth level</a:t>
             </a:r>
             <a:endParaRPr kumimoji="0" lang="en-US"/>
@@ -1991,7 +1979,7 @@
           <a:p>
             <a:fld id="{3B650D04-9A47-48C9-B04D-260EAB54A1ED}" type="datetime1">
               <a:rPr lang="en-GB" smtClean="0"/>
-              <a:t>19/08/2018</a:t>
+              <a:t>03/09/2018</a:t>
             </a:fld>
             <a:endParaRPr lang="en-GB"/>
           </a:p>
@@ -2013,10 +2001,9 @@
           <a:lstStyle/>
           <a:p>
             <a:r>
-              <a:rPr lang="en-GB" smtClean="0"/>
+              <a:rPr lang="en-GB"/>
               <a:t>USN ES UML4100 Lecture 2</a:t>
             </a:r>
-            <a:endParaRPr lang="en-GB"/>
           </a:p>
         </p:txBody>
       </p:sp>
@@ -2094,10 +2081,9 @@
           </a:lstStyle>
           <a:p>
             <a:r>
-              <a:rPr kumimoji="0" lang="en-US" smtClean="0"/>
+              <a:rPr kumimoji="0" lang="en-US"/>
               <a:t>Click to edit Master title style</a:t>
             </a:r>
-            <a:endParaRPr kumimoji="0" lang="en-US"/>
           </a:p>
         </p:txBody>
       </p:sp>
@@ -2164,7 +2150,7 @@
           <a:p>
             <a:pPr lvl="0" eaLnBrk="1" latinLnBrk="0" hangingPunct="1"/>
             <a:r>
-              <a:rPr kumimoji="0" lang="en-US" smtClean="0"/>
+              <a:rPr kumimoji="0" lang="en-US"/>
               <a:t>Click to edit Master text styles</a:t>
             </a:r>
           </a:p>
@@ -2233,7 +2219,7 @@
           <a:p>
             <a:pPr lvl="0" eaLnBrk="1" latinLnBrk="0" hangingPunct="1"/>
             <a:r>
-              <a:rPr kumimoji="0" lang="en-US" smtClean="0"/>
+              <a:rPr kumimoji="0" lang="en-US"/>
               <a:t>Click to edit Master text styles</a:t>
             </a:r>
           </a:p>
@@ -2315,35 +2301,35 @@
           <a:p>
             <a:pPr lvl="0" eaLnBrk="1" latinLnBrk="0" hangingPunct="1"/>
             <a:r>
-              <a:rPr lang="en-US" smtClean="0"/>
+              <a:rPr lang="en-US"/>
               <a:t>Click to edit Master text styles</a:t>
             </a:r>
           </a:p>
           <a:p>
             <a:pPr lvl="1" eaLnBrk="1" latinLnBrk="0" hangingPunct="1"/>
             <a:r>
-              <a:rPr lang="en-US" smtClean="0"/>
+              <a:rPr lang="en-US"/>
               <a:t>Second level</a:t>
             </a:r>
           </a:p>
           <a:p>
             <a:pPr lvl="2" eaLnBrk="1" latinLnBrk="0" hangingPunct="1"/>
             <a:r>
-              <a:rPr lang="en-US" smtClean="0"/>
+              <a:rPr lang="en-US"/>
               <a:t>Third level</a:t>
             </a:r>
           </a:p>
           <a:p>
             <a:pPr lvl="3" eaLnBrk="1" latinLnBrk="0" hangingPunct="1"/>
             <a:r>
-              <a:rPr lang="en-US" smtClean="0"/>
+              <a:rPr lang="en-US"/>
               <a:t>Fourth level</a:t>
             </a:r>
           </a:p>
           <a:p>
             <a:pPr lvl="4" eaLnBrk="1" latinLnBrk="0" hangingPunct="1"/>
             <a:r>
-              <a:rPr lang="en-US" smtClean="0"/>
+              <a:rPr lang="en-US"/>
               <a:t>Fifth level</a:t>
             </a:r>
             <a:endParaRPr kumimoji="0" lang="en-US"/>
@@ -2426,35 +2412,35 @@
           <a:p>
             <a:pPr lvl="0" eaLnBrk="1" latinLnBrk="0" hangingPunct="1"/>
             <a:r>
-              <a:rPr lang="en-US" smtClean="0"/>
+              <a:rPr lang="en-US"/>
               <a:t>Click to edit Master text styles</a:t>
             </a:r>
           </a:p>
           <a:p>
             <a:pPr lvl="1" eaLnBrk="1" latinLnBrk="0" hangingPunct="1"/>
             <a:r>
-              <a:rPr lang="en-US" smtClean="0"/>
+              <a:rPr lang="en-US"/>
               <a:t>Second level</a:t>
             </a:r>
           </a:p>
           <a:p>
             <a:pPr lvl="2" eaLnBrk="1" latinLnBrk="0" hangingPunct="1"/>
             <a:r>
-              <a:rPr lang="en-US" smtClean="0"/>
+              <a:rPr lang="en-US"/>
               <a:t>Third level</a:t>
             </a:r>
           </a:p>
           <a:p>
             <a:pPr lvl="3" eaLnBrk="1" latinLnBrk="0" hangingPunct="1"/>
             <a:r>
-              <a:rPr lang="en-US" smtClean="0"/>
+              <a:rPr lang="en-US"/>
               <a:t>Fourth level</a:t>
             </a:r>
           </a:p>
           <a:p>
             <a:pPr lvl="4" eaLnBrk="1" latinLnBrk="0" hangingPunct="1"/>
             <a:r>
-              <a:rPr lang="en-US" smtClean="0"/>
+              <a:rPr lang="en-US"/>
               <a:t>Fifth level</a:t>
             </a:r>
             <a:endParaRPr kumimoji="0" lang="en-US"/>
@@ -2478,7 +2464,7 @@
           <a:p>
             <a:fld id="{7BDDEE05-2314-44C4-9476-1CC75094E3A5}" type="datetime1">
               <a:rPr lang="en-GB" smtClean="0"/>
-              <a:t>19/08/2018</a:t>
+              <a:t>03/09/2018</a:t>
             </a:fld>
             <a:endParaRPr lang="en-GB"/>
           </a:p>
@@ -2500,10 +2486,9 @@
           <a:lstStyle/>
           <a:p>
             <a:r>
-              <a:rPr lang="en-GB" smtClean="0"/>
+              <a:rPr lang="en-GB"/>
               <a:t>USN ES UML4100 Lecture 2</a:t>
             </a:r>
-            <a:endParaRPr lang="en-GB"/>
           </a:p>
         </p:txBody>
       </p:sp>
@@ -2576,10 +2561,9 @@
           <a:lstStyle/>
           <a:p>
             <a:r>
-              <a:rPr kumimoji="0" lang="en-US" smtClean="0"/>
+              <a:rPr kumimoji="0" lang="en-US"/>
               <a:t>Click to edit Master title style</a:t>
             </a:r>
-            <a:endParaRPr kumimoji="0" lang="en-US"/>
           </a:p>
         </p:txBody>
       </p:sp>
@@ -2600,7 +2584,7 @@
           <a:p>
             <a:fld id="{6C29C1B0-00F8-494E-8CA3-59350978FF61}" type="datetime1">
               <a:rPr lang="en-GB" smtClean="0"/>
-              <a:t>19/08/2018</a:t>
+              <a:t>03/09/2018</a:t>
             </a:fld>
             <a:endParaRPr lang="en-GB"/>
           </a:p>
@@ -2622,10 +2606,9 @@
           <a:lstStyle/>
           <a:p>
             <a:r>
-              <a:rPr lang="en-GB" smtClean="0"/>
+              <a:rPr lang="en-GB"/>
               <a:t>USN ES UML4100 Lecture 2</a:t>
             </a:r>
-            <a:endParaRPr lang="en-GB"/>
           </a:p>
         </p:txBody>
       </p:sp>
@@ -2740,7 +2723,7 @@
           <a:p>
             <a:fld id="{FF7B37E0-BD75-4E41-B93D-5F534609C37F}" type="datetime1">
               <a:rPr lang="en-GB" smtClean="0"/>
-              <a:t>19/08/2018</a:t>
+              <a:t>03/09/2018</a:t>
             </a:fld>
             <a:endParaRPr lang="en-GB"/>
           </a:p>
@@ -2762,10 +2745,9 @@
           <a:lstStyle/>
           <a:p>
             <a:r>
-              <a:rPr lang="en-GB" smtClean="0"/>
+              <a:rPr lang="en-GB"/>
               <a:t>USN ES UML4100 Lecture 2</a:t>
             </a:r>
-            <a:endParaRPr lang="en-GB"/>
           </a:p>
         </p:txBody>
       </p:sp>
@@ -2904,10 +2886,9 @@
           </a:lstStyle>
           <a:p>
             <a:r>
-              <a:rPr kumimoji="0" lang="en-US" smtClean="0"/>
+              <a:rPr kumimoji="0" lang="en-US"/>
               <a:t>Click to edit Master title style</a:t>
             </a:r>
-            <a:endParaRPr kumimoji="0" lang="en-US"/>
           </a:p>
         </p:txBody>
       </p:sp>
@@ -2961,7 +2942,7 @@
           <a:p>
             <a:pPr lvl="0" eaLnBrk="1" latinLnBrk="0" hangingPunct="1"/>
             <a:r>
-              <a:rPr kumimoji="0" lang="en-US" smtClean="0"/>
+              <a:rPr kumimoji="0" lang="en-US"/>
               <a:t>Click to edit Master text styles</a:t>
             </a:r>
           </a:p>
@@ -3006,35 +2987,35 @@
           <a:p>
             <a:pPr lvl="0" eaLnBrk="1" latinLnBrk="0" hangingPunct="1"/>
             <a:r>
-              <a:rPr lang="en-US" smtClean="0"/>
+              <a:rPr lang="en-US"/>
               <a:t>Click to edit Master text styles</a:t>
             </a:r>
           </a:p>
           <a:p>
             <a:pPr lvl="1" eaLnBrk="1" latinLnBrk="0" hangingPunct="1"/>
             <a:r>
-              <a:rPr lang="en-US" smtClean="0"/>
+              <a:rPr lang="en-US"/>
               <a:t>Second level</a:t>
             </a:r>
           </a:p>
           <a:p>
             <a:pPr lvl="2" eaLnBrk="1" latinLnBrk="0" hangingPunct="1"/>
             <a:r>
-              <a:rPr lang="en-US" smtClean="0"/>
+              <a:rPr lang="en-US"/>
               <a:t>Third level</a:t>
             </a:r>
           </a:p>
           <a:p>
             <a:pPr lvl="3" eaLnBrk="1" latinLnBrk="0" hangingPunct="1"/>
             <a:r>
-              <a:rPr lang="en-US" smtClean="0"/>
+              <a:rPr lang="en-US"/>
               <a:t>Fourth level</a:t>
             </a:r>
           </a:p>
           <a:p>
             <a:pPr lvl="4" eaLnBrk="1" latinLnBrk="0" hangingPunct="1"/>
             <a:r>
-              <a:rPr lang="en-US" smtClean="0"/>
+              <a:rPr lang="en-US"/>
               <a:t>Fifth level</a:t>
             </a:r>
             <a:endParaRPr kumimoji="0" lang="en-US"/>
@@ -3058,7 +3039,7 @@
           <a:p>
             <a:fld id="{E3A18D8F-4CBC-4842-B78D-CB96D705BDAC}" type="datetime1">
               <a:rPr lang="en-GB" smtClean="0"/>
-              <a:t>19/08/2018</a:t>
+              <a:t>03/09/2018</a:t>
             </a:fld>
             <a:endParaRPr lang="en-GB"/>
           </a:p>
@@ -3080,10 +3061,9 @@
           <a:lstStyle/>
           <a:p>
             <a:r>
-              <a:rPr lang="en-GB" smtClean="0"/>
+              <a:rPr lang="en-GB"/>
               <a:t>USN ES UML4100 Lecture 2</a:t>
             </a:r>
-            <a:endParaRPr lang="en-GB"/>
           </a:p>
         </p:txBody>
       </p:sp>
@@ -3166,10 +3146,9 @@
           </a:lstStyle>
           <a:p>
             <a:r>
-              <a:rPr kumimoji="0" lang="en-US" smtClean="0"/>
+              <a:rPr kumimoji="0" lang="en-US"/>
               <a:t>Click to edit Master title style</a:t>
             </a:r>
-            <a:endParaRPr kumimoji="0" lang="en-US"/>
           </a:p>
         </p:txBody>
       </p:sp>
@@ -3190,7 +3169,7 @@
           <a:p>
             <a:fld id="{B79145A0-29AA-4132-BAF9-0F877B2D7D2A}" type="datetime1">
               <a:rPr lang="en-GB" smtClean="0"/>
-              <a:t>19/08/2018</a:t>
+              <a:t>03/09/2018</a:t>
             </a:fld>
             <a:endParaRPr lang="en-GB"/>
           </a:p>
@@ -3212,10 +3191,9 @@
           <a:lstStyle/>
           <a:p>
             <a:r>
-              <a:rPr lang="en-GB" smtClean="0"/>
+              <a:rPr lang="en-GB"/>
               <a:t>USN ES UML4100 Lecture 2</a:t>
             </a:r>
-            <a:endParaRPr lang="en-GB"/>
           </a:p>
         </p:txBody>
       </p:sp>
@@ -3357,7 +3335,7 @@
           <a:p>
             <a:pPr marL="0" algn="l" eaLnBrk="1" latinLnBrk="0" hangingPunct="1"/>
             <a:r>
-              <a:rPr kumimoji="0" lang="en-US" smtClean="0"/>
+              <a:rPr kumimoji="0" lang="en-US"/>
               <a:t>Click icon to add picture</a:t>
             </a:r>
             <a:endParaRPr kumimoji="0" lang="en-US" dirty="0"/>
@@ -3532,7 +3510,7 @@
           <a:p>
             <a:pPr lvl="0" eaLnBrk="1" latinLnBrk="0" hangingPunct="1"/>
             <a:r>
-              <a:rPr kumimoji="0" lang="en-US" smtClean="0"/>
+              <a:rPr kumimoji="0" lang="en-US"/>
               <a:t>Click to edit Master text styles</a:t>
             </a:r>
           </a:p>
@@ -3847,10 +3825,9 @@
           <a:lstStyle/>
           <a:p>
             <a:r>
-              <a:rPr kumimoji="0" lang="en-US" smtClean="0"/>
+              <a:rPr kumimoji="0" lang="en-US"/>
               <a:t>Click to edit Master title style</a:t>
             </a:r>
-            <a:endParaRPr kumimoji="0" lang="en-US"/>
           </a:p>
         </p:txBody>
       </p:sp>
@@ -3881,38 +3858,37 @@
           <a:p>
             <a:pPr lvl="0" eaLnBrk="1" latinLnBrk="0" hangingPunct="1"/>
             <a:r>
-              <a:rPr kumimoji="0" lang="en-US" smtClean="0"/>
+              <a:rPr kumimoji="0" lang="en-US"/>
               <a:t>Click to edit Master text styles</a:t>
             </a:r>
           </a:p>
           <a:p>
             <a:pPr lvl="1" eaLnBrk="1" latinLnBrk="0" hangingPunct="1"/>
             <a:r>
-              <a:rPr kumimoji="0" lang="en-US" smtClean="0"/>
+              <a:rPr kumimoji="0" lang="en-US"/>
               <a:t>Second level</a:t>
             </a:r>
           </a:p>
           <a:p>
             <a:pPr lvl="2" eaLnBrk="1" latinLnBrk="0" hangingPunct="1"/>
             <a:r>
-              <a:rPr kumimoji="0" lang="en-US" smtClean="0"/>
+              <a:rPr kumimoji="0" lang="en-US"/>
               <a:t>Third level</a:t>
             </a:r>
           </a:p>
           <a:p>
             <a:pPr lvl="3" eaLnBrk="1" latinLnBrk="0" hangingPunct="1"/>
             <a:r>
-              <a:rPr kumimoji="0" lang="en-US" smtClean="0"/>
+              <a:rPr kumimoji="0" lang="en-US"/>
               <a:t>Fourth level</a:t>
             </a:r>
           </a:p>
           <a:p>
             <a:pPr lvl="4" eaLnBrk="1" latinLnBrk="0" hangingPunct="1"/>
             <a:r>
-              <a:rPr kumimoji="0" lang="en-US" smtClean="0"/>
+              <a:rPr kumimoji="0" lang="en-US"/>
               <a:t>Fifth level</a:t>
             </a:r>
-            <a:endParaRPr kumimoji="0" lang="en-US"/>
           </a:p>
         </p:txBody>
       </p:sp>
@@ -3953,7 +3929,7 @@
           <a:p>
             <a:fld id="{35B3C8E9-82FB-44DE-9975-2530B2DE8105}" type="datetime1">
               <a:rPr lang="en-GB" smtClean="0"/>
-              <a:t>19/08/2018</a:t>
+              <a:t>03/09/2018</a:t>
             </a:fld>
             <a:endParaRPr lang="en-GB"/>
           </a:p>
@@ -3996,10 +3972,9 @@
           </a:lstStyle>
           <a:p>
             <a:r>
-              <a:rPr lang="en-GB" smtClean="0"/>
+              <a:rPr lang="en-GB"/>
               <a:t>USN ES UML4100 Lecture 2</a:t>
             </a:r>
-            <a:endParaRPr lang="en-GB"/>
           </a:p>
         </p:txBody>
       </p:sp>
@@ -4478,30 +4453,7 @@
               <a:rPr lang="en-GB" sz="3600" b="1" dirty="0">
                 <a:effectLst/>
               </a:rPr>
-              <a:t>Embedded System </a:t>
-            </a:r>
-            <a:r>
-              <a:rPr lang="en-GB" sz="3600" b="1" dirty="0" smtClean="0">
-                <a:effectLst/>
-              </a:rPr>
-              <a:t>Modelling</a:t>
-            </a:r>
-            <a:br>
-              <a:rPr lang="en-GB" sz="3600" b="1" dirty="0" smtClean="0">
-                <a:effectLst/>
-              </a:rPr>
-            </a:br>
-            <a:r>
-              <a:rPr lang="en-GB" sz="3600" b="1" dirty="0" smtClean="0">
-                <a:effectLst/>
-              </a:rPr>
-              <a:t>with </a:t>
-            </a:r>
-            <a:r>
-              <a:rPr lang="en-GB" sz="3600" b="1" dirty="0">
-                <a:effectLst/>
-              </a:rPr>
-              <a:t>UML</a:t>
+              <a:t>Embedded System Modelling</a:t>
             </a:r>
             <a:br>
               <a:rPr lang="en-GB" sz="3600" b="1" dirty="0">
@@ -4509,7 +4461,18 @@
               </a:rPr>
             </a:br>
             <a:r>
-              <a:rPr lang="en-GB" sz="3600" b="1" dirty="0" smtClean="0">
+              <a:rPr lang="en-GB" sz="3600" b="1" dirty="0">
+                <a:effectLst/>
+              </a:rPr>
+              <a:t>with UML</a:t>
+            </a:r>
+            <a:br>
+              <a:rPr lang="en-GB" sz="3600" b="1" dirty="0">
+                <a:effectLst/>
+              </a:rPr>
+            </a:br>
+            <a:r>
+              <a:rPr lang="en-GB" sz="3600" b="1" dirty="0">
                 <a:effectLst/>
               </a:rPr>
               <a:t>ES UML4100</a:t>
@@ -4542,46 +4505,46 @@
           <a:p>
             <a:pPr algn="l"/>
             <a:r>
-              <a:rPr lang="en-GB" sz="2100" b="1" dirty="0" smtClean="0"/>
+              <a:rPr lang="en-GB" sz="2100" b="1" dirty="0"/>
               <a:t>Lecture Week 36 (Week 4 in this semester)</a:t>
             </a:r>
           </a:p>
           <a:p>
             <a:pPr algn="l"/>
             <a:r>
-              <a:rPr lang="en-GB" sz="2100" b="1" dirty="0" err="1" smtClean="0"/>
+              <a:rPr lang="en-GB" sz="2100" b="1" dirty="0" err="1"/>
               <a:t>Radmila</a:t>
             </a:r>
             <a:r>
-              <a:rPr lang="en-GB" sz="2100" b="1" dirty="0" smtClean="0"/>
+              <a:rPr lang="en-GB" sz="2100" b="1" dirty="0"/>
               <a:t> </a:t>
             </a:r>
             <a:r>
-              <a:rPr lang="en-GB" sz="2100" b="1" dirty="0" err="1" smtClean="0"/>
+              <a:rPr lang="en-GB" sz="2100" b="1" dirty="0" err="1"/>
               <a:t>Juric</a:t>
             </a:r>
-            <a:endParaRPr lang="en-GB" sz="2100" b="1" dirty="0" smtClean="0"/>
-          </a:p>
-          <a:p>
-            <a:r>
-              <a:rPr lang="en-GB" sz="2400" b="1" dirty="0" smtClean="0"/>
+            <a:endParaRPr lang="en-GB" sz="2100" b="1" dirty="0"/>
+          </a:p>
+          <a:p>
+            <a:r>
+              <a:rPr lang="en-GB" sz="2400" b="1" dirty="0"/>
               <a:t>USN, Kongsberg Campus</a:t>
             </a:r>
-            <a:endParaRPr lang="en-GB" sz="2100" b="1" dirty="0" smtClean="0"/>
+            <a:endParaRPr lang="en-GB" sz="2100" b="1" dirty="0"/>
           </a:p>
           <a:p>
             <a:pPr algn="l"/>
-            <a:endParaRPr lang="en-GB" sz="2100" b="1" dirty="0" smtClean="0"/>
-          </a:p>
-          <a:p>
-            <a:endParaRPr lang="en-GB" dirty="0" smtClean="0"/>
-          </a:p>
-          <a:p>
-            <a:endParaRPr lang="en-GB" dirty="0" smtClean="0"/>
+            <a:endParaRPr lang="en-GB" sz="2100" b="1" dirty="0"/>
           </a:p>
           <a:p>
             <a:endParaRPr lang="en-GB" dirty="0"/>
           </a:p>
+          <a:p>
+            <a:endParaRPr lang="en-GB" dirty="0"/>
+          </a:p>
+          <a:p>
+            <a:endParaRPr lang="en-GB" dirty="0"/>
+          </a:p>
         </p:txBody>
       </p:sp>
       <p:sp>
@@ -4600,10 +4563,9 @@
           <a:lstStyle/>
           <a:p>
             <a:r>
-              <a:rPr lang="en-GB" smtClean="0"/>
+              <a:rPr lang="en-GB"/>
               <a:t>USN ES UML4100 Lecture 2</a:t>
             </a:r>
-            <a:endParaRPr lang="en-GB"/>
           </a:p>
         </p:txBody>
       </p:sp>
@@ -4640,21 +4602,6 @@
   <p:clrMapOvr>
     <a:masterClrMapping/>
   </p:clrMapOvr>
-  <mc:AlternateContent xmlns:mc="http://schemas.openxmlformats.org/markup-compatibility/2006" xmlns:p14="http://schemas.microsoft.com/office/powerpoint/2010/main">
-    <mc:Choice Requires="p14">
-      <p:transition spd="slow" p14:dur="2000"/>
-    </mc:Choice>
-    <mc:Fallback xmlns="">
-      <p:transition spd="slow"/>
-    </mc:Fallback>
-  </mc:AlternateContent>
-  <p:timing>
-    <p:tnLst>
-      <p:par>
-        <p:cTn id="1" dur="indefinite" restart="never" nodeType="tmRoot"/>
-      </p:par>
-    </p:tnLst>
-  </p:timing>
 </p:sld>
 </file>
 
@@ -4699,32 +4646,11 @@
           <a:p>
             <a:pPr marL="370332" indent="-342900"/>
             <a:r>
-              <a:rPr lang="en-US" sz="3000" dirty="0" smtClean="0">
-                <a:latin typeface="Arial" pitchFamily="34" charset="0"/>
-                <a:cs typeface="Arial" pitchFamily="34" charset="0"/>
-              </a:rPr>
-              <a:t>Applicability </a:t>
-            </a:r>
-            <a:r>
               <a:rPr lang="en-US" sz="3000" dirty="0">
                 <a:latin typeface="Arial" pitchFamily="34" charset="0"/>
                 <a:cs typeface="Arial" pitchFamily="34" charset="0"/>
               </a:rPr>
-              <a:t>of UML </a:t>
-            </a:r>
-            <a:r>
-              <a:rPr lang="en-US" sz="3000" dirty="0" smtClean="0">
-                <a:latin typeface="Arial" pitchFamily="34" charset="0"/>
-                <a:cs typeface="Arial" pitchFamily="34" charset="0"/>
-              </a:rPr>
-              <a:t>in </a:t>
-            </a:r>
-            <a:r>
-              <a:rPr lang="en-US" sz="3000" dirty="0">
-                <a:latin typeface="Arial" pitchFamily="34" charset="0"/>
-                <a:cs typeface="Arial" pitchFamily="34" charset="0"/>
-              </a:rPr>
-              <a:t>Engineering</a:t>
+              <a:t>Applicability of UML in Engineering</a:t>
             </a:r>
             <a:endParaRPr lang="en-GB" sz="3000" b="1" dirty="0">
               <a:latin typeface="Arial" pitchFamily="34" charset="0"/>
@@ -4760,7 +4686,7 @@
               <a:buChar char="•"/>
             </a:pPr>
             <a:r>
-              <a:rPr lang="en-GB" sz="3200" dirty="0" smtClean="0">
+              <a:rPr lang="en-GB" sz="3200" dirty="0">
                 <a:latin typeface="Arial" pitchFamily="34" charset="0"/>
                 <a:cs typeface="Arial" pitchFamily="34" charset="0"/>
               </a:rPr>
@@ -4773,7 +4699,7 @@
               <a:buChar char="•"/>
             </a:pPr>
             <a:r>
-              <a:rPr lang="en-GB" sz="2600" dirty="0" smtClean="0">
+              <a:rPr lang="en-GB" sz="2600" dirty="0">
                 <a:latin typeface="Arial" pitchFamily="34" charset="0"/>
                 <a:cs typeface="Arial" pitchFamily="34" charset="0"/>
               </a:rPr>
@@ -4786,7 +4712,7 @@
               <a:buChar char="•"/>
             </a:pPr>
             <a:r>
-              <a:rPr lang="en-GB" sz="2600" dirty="0" smtClean="0">
+              <a:rPr lang="en-GB" sz="2600" dirty="0">
                 <a:latin typeface="Arial" pitchFamily="34" charset="0"/>
                 <a:cs typeface="Arial" pitchFamily="34" charset="0"/>
               </a:rPr>
@@ -4799,7 +4725,7 @@
               <a:buChar char="•"/>
             </a:pPr>
             <a:r>
-              <a:rPr lang="en-GB" sz="3200" dirty="0" smtClean="0">
+              <a:rPr lang="en-GB" sz="3200" dirty="0">
                 <a:latin typeface="Arial" pitchFamily="34" charset="0"/>
                 <a:cs typeface="Arial" pitchFamily="34" charset="0"/>
               </a:rPr>
@@ -4812,21 +4738,21 @@
               <a:buChar char="•"/>
             </a:pPr>
             <a:r>
-              <a:rPr lang="en-GB" sz="2000" dirty="0" smtClean="0">
+              <a:rPr lang="en-GB" sz="2000" dirty="0">
                 <a:latin typeface="Arial" pitchFamily="34" charset="0"/>
                 <a:cs typeface="Arial" pitchFamily="34" charset="0"/>
               </a:rPr>
               <a:t>We have to learn a standard set of UML modelling elements, use </a:t>
             </a:r>
             <a:r>
-              <a:rPr lang="en-GB" sz="2000" dirty="0" err="1" smtClean="0">
+              <a:rPr lang="en-GB" sz="2000" dirty="0" err="1">
                 <a:latin typeface="Arial" pitchFamily="34" charset="0"/>
                 <a:cs typeface="Arial" pitchFamily="34" charset="0"/>
               </a:rPr>
               <a:t>sterotypes</a:t>
             </a:r>
             <a:r>
-              <a:rPr lang="en-GB" sz="2000" dirty="0" smtClean="0">
+              <a:rPr lang="en-GB" sz="2000" dirty="0">
                 <a:latin typeface="Arial" pitchFamily="34" charset="0"/>
                 <a:cs typeface="Arial" pitchFamily="34" charset="0"/>
               </a:rPr>
@@ -4839,7 +4765,7 @@
               <a:buChar char="•"/>
             </a:pPr>
             <a:r>
-              <a:rPr lang="en-GB" sz="2000" dirty="0" smtClean="0">
+              <a:rPr lang="en-GB" sz="2000" dirty="0">
                 <a:latin typeface="Arial" pitchFamily="34" charset="0"/>
                 <a:cs typeface="Arial" pitchFamily="34" charset="0"/>
               </a:rPr>
@@ -4852,7 +4778,7 @@
               <a:buChar char="•"/>
             </a:pPr>
             <a:r>
-              <a:rPr lang="en-GB" sz="2000" dirty="0" smtClean="0">
+              <a:rPr lang="en-GB" sz="2000" dirty="0">
                 <a:latin typeface="Arial" pitchFamily="34" charset="0"/>
                 <a:cs typeface="Arial" pitchFamily="34" charset="0"/>
               </a:rPr>
@@ -4877,10 +4803,9 @@
           <a:lstStyle/>
           <a:p>
             <a:r>
-              <a:rPr lang="en-GB" smtClean="0"/>
+              <a:rPr lang="en-GB"/>
               <a:t>USN ES UML4100 Lecture 2</a:t>
             </a:r>
-            <a:endParaRPr lang="en-GB"/>
           </a:p>
         </p:txBody>
       </p:sp>
@@ -4917,21 +4842,6 @@
   <p:clrMapOvr>
     <a:masterClrMapping/>
   </p:clrMapOvr>
-  <mc:AlternateContent xmlns:mc="http://schemas.openxmlformats.org/markup-compatibility/2006" xmlns:p14="http://schemas.microsoft.com/office/powerpoint/2010/main">
-    <mc:Choice Requires="p14">
-      <p:transition spd="slow" p14:dur="2000"/>
-    </mc:Choice>
-    <mc:Fallback xmlns="">
-      <p:transition spd="slow"/>
-    </mc:Fallback>
-  </mc:AlternateContent>
-  <p:timing>
-    <p:tnLst>
-      <p:par>
-        <p:cTn id="1" dur="indefinite" restart="never" nodeType="tmRoot"/>
-      </p:par>
-    </p:tnLst>
-  </p:timing>
 </p:sld>
 </file>
 
@@ -5004,7 +4914,7 @@
           <a:lstStyle/>
           <a:p>
             <a:pPr algn="ctr"/>
-            <a:endParaRPr lang="en-US" sz="3200" dirty="0" smtClean="0">
+            <a:endParaRPr lang="en-US" sz="3200" dirty="0">
               <a:latin typeface="Arial" pitchFamily="34" charset="0"/>
               <a:cs typeface="Arial" pitchFamily="34" charset="0"/>
             </a:endParaRPr>
@@ -5019,20 +4929,13 @@
           <a:p>
             <a:pPr algn="ctr"/>
             <a:r>
-              <a:rPr lang="en-US" sz="6000" dirty="0" smtClean="0">
-                <a:latin typeface="Arial" pitchFamily="34" charset="0"/>
-                <a:cs typeface="Arial" pitchFamily="34" charset="0"/>
-              </a:rPr>
-              <a:t>Any </a:t>
-            </a:r>
-            <a:r>
               <a:rPr lang="en-US" sz="6000" dirty="0">
                 <a:latin typeface="Arial" pitchFamily="34" charset="0"/>
                 <a:cs typeface="Arial" pitchFamily="34" charset="0"/>
               </a:rPr>
-              <a:t>Questions?</a:t>
-            </a:r>
-            <a:endParaRPr lang="en-GB" sz="6000" dirty="0" smtClean="0">
+              <a:t>Any Questions?</a:t>
+            </a:r>
+            <a:endParaRPr lang="en-GB" sz="6000" dirty="0">
               <a:latin typeface="Arial" pitchFamily="34" charset="0"/>
               <a:cs typeface="Arial" pitchFamily="34" charset="0"/>
             </a:endParaRPr>
@@ -5055,10 +4958,9 @@
           <a:lstStyle/>
           <a:p>
             <a:r>
-              <a:rPr lang="en-GB" smtClean="0"/>
+              <a:rPr lang="en-GB"/>
               <a:t>USN ES UML4100 Lecture 2</a:t>
             </a:r>
-            <a:endParaRPr lang="en-GB"/>
           </a:p>
         </p:txBody>
       </p:sp>
@@ -5095,21 +4997,6 @@
   <p:clrMapOvr>
     <a:masterClrMapping/>
   </p:clrMapOvr>
-  <mc:AlternateContent xmlns:mc="http://schemas.openxmlformats.org/markup-compatibility/2006" xmlns:p14="http://schemas.microsoft.com/office/powerpoint/2010/main">
-    <mc:Choice Requires="p14">
-      <p:transition spd="slow" p14:dur="2000"/>
-    </mc:Choice>
-    <mc:Fallback xmlns="">
-      <p:transition spd="slow"/>
-    </mc:Fallback>
-  </mc:AlternateContent>
-  <p:timing>
-    <p:tnLst>
-      <p:par>
-        <p:cTn id="1" dur="indefinite" restart="never" nodeType="tmRoot"/>
-      </p:par>
-    </p:tnLst>
-  </p:timing>
 </p:sld>
 </file>
 
@@ -5153,16 +5040,12 @@
           <a:lstStyle/>
           <a:p>
             <a:r>
-              <a:rPr lang="en-GB" sz="3600" b="1" dirty="0" smtClean="0">
+              <a:rPr lang="en-GB" sz="3600" b="1" dirty="0">
                 <a:latin typeface="Arial" pitchFamily="34" charset="0"/>
                 <a:cs typeface="Arial" pitchFamily="34" charset="0"/>
               </a:rPr>
               <a:t>Overview</a:t>
             </a:r>
-            <a:endParaRPr lang="en-GB" sz="3600" b="1" dirty="0">
-              <a:latin typeface="Arial" pitchFamily="34" charset="0"/>
-              <a:cs typeface="Arial" pitchFamily="34" charset="0"/>
-            </a:endParaRPr>
           </a:p>
         </p:txBody>
       </p:sp>
@@ -5197,14 +5080,7 @@
                 <a:latin typeface="Arial" pitchFamily="34" charset="0"/>
                 <a:cs typeface="Arial" pitchFamily="34" charset="0"/>
               </a:rPr>
-              <a:t>Introduction to </a:t>
-            </a:r>
-            <a:r>
-              <a:rPr lang="en-US" sz="3200" dirty="0" smtClean="0">
-                <a:latin typeface="Arial" pitchFamily="34" charset="0"/>
-                <a:cs typeface="Arial" pitchFamily="34" charset="0"/>
-              </a:rPr>
-              <a:t>Object Oriented (OO) Concepts</a:t>
+              <a:t>Introduction to Object Oriented (OO) Concepts</a:t>
             </a:r>
           </a:p>
           <a:p>
@@ -5213,25 +5089,11 @@
               <a:buChar char="•"/>
             </a:pPr>
             <a:r>
-              <a:rPr lang="en-US" sz="3200" dirty="0" smtClean="0">
-                <a:latin typeface="Arial" pitchFamily="34" charset="0"/>
-                <a:cs typeface="Arial" pitchFamily="34" charset="0"/>
-              </a:rPr>
-              <a:t>History </a:t>
-            </a:r>
-            <a:r>
               <a:rPr lang="en-US" sz="3200" dirty="0">
                 <a:latin typeface="Arial" pitchFamily="34" charset="0"/>
                 <a:cs typeface="Arial" pitchFamily="34" charset="0"/>
               </a:rPr>
-              <a:t>of </a:t>
-            </a:r>
-            <a:r>
-              <a:rPr lang="en-US" sz="3200" dirty="0" smtClean="0">
-                <a:latin typeface="Arial" pitchFamily="34" charset="0"/>
-                <a:cs typeface="Arial" pitchFamily="34" charset="0"/>
-              </a:rPr>
-              <a:t>Methodologies in Information Systems (IS)</a:t>
+              <a:t>History of Methodologies in Information Systems (IS)</a:t>
             </a:r>
           </a:p>
           <a:p>
@@ -5240,25 +5102,11 @@
               <a:buChar char="•"/>
             </a:pPr>
             <a:r>
-              <a:rPr lang="en-US" sz="3200" dirty="0" smtClean="0">
-                <a:latin typeface="Arial" pitchFamily="34" charset="0"/>
-                <a:cs typeface="Arial" pitchFamily="34" charset="0"/>
-              </a:rPr>
-              <a:t>Evolution </a:t>
-            </a:r>
-            <a:r>
               <a:rPr lang="en-US" sz="3200" dirty="0">
                 <a:latin typeface="Arial" pitchFamily="34" charset="0"/>
                 <a:cs typeface="Arial" pitchFamily="34" charset="0"/>
               </a:rPr>
-              <a:t>of </a:t>
-            </a:r>
-            <a:r>
-              <a:rPr lang="en-US" sz="3200" dirty="0" smtClean="0">
-                <a:latin typeface="Arial" pitchFamily="34" charset="0"/>
-                <a:cs typeface="Arial" pitchFamily="34" charset="0"/>
-              </a:rPr>
-              <a:t>UML</a:t>
+              <a:t>Evolution of UML</a:t>
             </a:r>
           </a:p>
           <a:p>
@@ -5267,25 +5115,11 @@
               <a:buChar char="•"/>
             </a:pPr>
             <a:r>
-              <a:rPr lang="en-US" sz="3200" dirty="0" smtClean="0">
-                <a:latin typeface="Arial" pitchFamily="34" charset="0"/>
-                <a:cs typeface="Arial" pitchFamily="34" charset="0"/>
-              </a:rPr>
-              <a:t>UML </a:t>
-            </a:r>
-            <a:r>
               <a:rPr lang="en-US" sz="3200" dirty="0">
                 <a:latin typeface="Arial" pitchFamily="34" charset="0"/>
                 <a:cs typeface="Arial" pitchFamily="34" charset="0"/>
               </a:rPr>
-              <a:t>modeling </a:t>
-            </a:r>
-            <a:r>
-              <a:rPr lang="en-US" sz="3200" dirty="0" smtClean="0">
-                <a:latin typeface="Arial" pitchFamily="34" charset="0"/>
-                <a:cs typeface="Arial" pitchFamily="34" charset="0"/>
-              </a:rPr>
-              <a:t>diagrams</a:t>
+              <a:t>UML modeling diagrams</a:t>
             </a:r>
           </a:p>
           <a:p>
@@ -5294,7 +5128,7 @@
               <a:buChar char="•"/>
             </a:pPr>
             <a:r>
-              <a:rPr lang="en-US" sz="3200" dirty="0" smtClean="0">
+              <a:rPr lang="en-US" sz="3200" dirty="0">
                 <a:latin typeface="Arial" pitchFamily="34" charset="0"/>
                 <a:cs typeface="Arial" pitchFamily="34" charset="0"/>
               </a:rPr>
@@ -5307,25 +5141,11 @@
               <a:buChar char="•"/>
             </a:pPr>
             <a:r>
-              <a:rPr lang="en-US" sz="3200" dirty="0" smtClean="0">
-                <a:latin typeface="Arial" pitchFamily="34" charset="0"/>
-                <a:cs typeface="Arial" pitchFamily="34" charset="0"/>
-              </a:rPr>
-              <a:t>UML </a:t>
-            </a:r>
-            <a:r>
               <a:rPr lang="en-US" sz="3200" dirty="0">
                 <a:latin typeface="Arial" pitchFamily="34" charset="0"/>
                 <a:cs typeface="Arial" pitchFamily="34" charset="0"/>
               </a:rPr>
-              <a:t>and Object Oriented Software </a:t>
-            </a:r>
-            <a:r>
-              <a:rPr lang="en-US" sz="3200" dirty="0" smtClean="0">
-                <a:latin typeface="Arial" pitchFamily="34" charset="0"/>
-                <a:cs typeface="Arial" pitchFamily="34" charset="0"/>
-              </a:rPr>
-              <a:t>Development</a:t>
+              <a:t>UML and Object Oriented Software Development</a:t>
             </a:r>
           </a:p>
           <a:p>
@@ -5334,27 +5154,13 @@
               <a:buChar char="•"/>
             </a:pPr>
             <a:r>
-              <a:rPr lang="en-US" sz="3200" dirty="0" smtClean="0">
-                <a:latin typeface="Arial" pitchFamily="34" charset="0"/>
-                <a:cs typeface="Arial" pitchFamily="34" charset="0"/>
-              </a:rPr>
-              <a:t>Applicability </a:t>
-            </a:r>
-            <a:r>
               <a:rPr lang="en-US" sz="3200" dirty="0">
                 <a:latin typeface="Arial" pitchFamily="34" charset="0"/>
                 <a:cs typeface="Arial" pitchFamily="34" charset="0"/>
               </a:rPr>
-              <a:t>of UML in </a:t>
-            </a:r>
-            <a:r>
-              <a:rPr lang="en-US" sz="3200" dirty="0" smtClean="0">
-                <a:latin typeface="Arial" pitchFamily="34" charset="0"/>
-                <a:cs typeface="Arial" pitchFamily="34" charset="0"/>
-              </a:rPr>
-              <a:t>Engineering</a:t>
-            </a:r>
-            <a:endParaRPr lang="en-GB" sz="3200" dirty="0" smtClean="0">
+              <a:t>Applicability of UML in Engineering</a:t>
+            </a:r>
+            <a:endParaRPr lang="en-GB" sz="3200" dirty="0">
               <a:latin typeface="Arial" pitchFamily="34" charset="0"/>
               <a:cs typeface="Arial" pitchFamily="34" charset="0"/>
             </a:endParaRPr>
@@ -5377,10 +5183,9 @@
           <a:lstStyle/>
           <a:p>
             <a:r>
-              <a:rPr lang="en-GB" smtClean="0"/>
+              <a:rPr lang="en-GB"/>
               <a:t>USN ES UML4100 Lecture 2</a:t>
             </a:r>
-            <a:endParaRPr lang="en-GB"/>
           </a:p>
         </p:txBody>
       </p:sp>
@@ -5417,21 +5222,6 @@
   <p:clrMapOvr>
     <a:masterClrMapping/>
   </p:clrMapOvr>
-  <mc:AlternateContent xmlns:mc="http://schemas.openxmlformats.org/markup-compatibility/2006" xmlns:p14="http://schemas.microsoft.com/office/powerpoint/2010/main">
-    <mc:Choice Requires="p14">
-      <p:transition spd="slow" p14:dur="2000"/>
-    </mc:Choice>
-    <mc:Fallback xmlns="">
-      <p:transition spd="slow"/>
-    </mc:Fallback>
-  </mc:AlternateContent>
-  <p:timing>
-    <p:tnLst>
-      <p:par>
-        <p:cTn id="1" dur="indefinite" restart="never" nodeType="tmRoot"/>
-      </p:par>
-    </p:tnLst>
-  </p:timing>
 </p:sld>
 </file>
 
@@ -5479,14 +5269,7 @@
                 <a:latin typeface="Arial" pitchFamily="34" charset="0"/>
                 <a:cs typeface="Arial" pitchFamily="34" charset="0"/>
               </a:rPr>
-              <a:t>Introduction to OO </a:t>
-            </a:r>
-            <a:r>
-              <a:rPr lang="en-US" sz="3600" dirty="0" smtClean="0">
-                <a:latin typeface="Arial" pitchFamily="34" charset="0"/>
-                <a:cs typeface="Arial" pitchFamily="34" charset="0"/>
-              </a:rPr>
-              <a:t>Concepts</a:t>
+              <a:t>Introduction to OO Concepts</a:t>
             </a:r>
             <a:endParaRPr lang="en-GB" sz="3600" b="1" dirty="0">
               <a:latin typeface="Arial" pitchFamily="34" charset="0"/>
@@ -5522,21 +5305,21 @@
               <a:buChar char="•"/>
             </a:pPr>
             <a:r>
-              <a:rPr lang="en-GB" sz="3200" dirty="0" smtClean="0">
+              <a:rPr lang="en-GB" sz="3200" dirty="0">
                 <a:latin typeface="Arial" pitchFamily="34" charset="0"/>
                 <a:cs typeface="Arial" pitchFamily="34" charset="0"/>
               </a:rPr>
               <a:t>What are </a:t>
             </a:r>
             <a:r>
-              <a:rPr lang="en-GB" sz="3200" dirty="0" err="1" smtClean="0">
+              <a:rPr lang="en-GB" sz="3200" dirty="0" err="1">
                 <a:latin typeface="Arial" pitchFamily="34" charset="0"/>
                 <a:cs typeface="Arial" pitchFamily="34" charset="0"/>
               </a:rPr>
               <a:t>OO</a:t>
             </a:r>
             <a:r>
-              <a:rPr lang="en-GB" sz="3200" dirty="0" smtClean="0">
+              <a:rPr lang="en-GB" sz="3200" dirty="0">
                 <a:latin typeface="Arial" pitchFamily="34" charset="0"/>
                 <a:cs typeface="Arial" pitchFamily="34" charset="0"/>
               </a:rPr>
@@ -5549,35 +5332,35 @@
               <a:buChar char="•"/>
             </a:pPr>
             <a:r>
-              <a:rPr lang="en-GB" sz="3200" dirty="0" smtClean="0">
+              <a:rPr lang="en-GB" sz="3200" dirty="0">
                 <a:latin typeface="Arial" pitchFamily="34" charset="0"/>
                 <a:cs typeface="Arial" pitchFamily="34" charset="0"/>
               </a:rPr>
               <a:t>What would OO mean in </a:t>
             </a:r>
             <a:r>
-              <a:rPr lang="en-GB" sz="3200" b="1" i="1" dirty="0" smtClean="0">
+              <a:rPr lang="en-GB" sz="3200" b="1" i="1" dirty="0">
                 <a:latin typeface="Arial" pitchFamily="34" charset="0"/>
                 <a:cs typeface="Arial" pitchFamily="34" charset="0"/>
               </a:rPr>
               <a:t>system</a:t>
             </a:r>
             <a:r>
-              <a:rPr lang="en-GB" sz="3200" dirty="0" smtClean="0">
+              <a:rPr lang="en-GB" sz="3200" dirty="0">
                 <a:latin typeface="Arial" pitchFamily="34" charset="0"/>
                 <a:cs typeface="Arial" pitchFamily="34" charset="0"/>
               </a:rPr>
               <a:t> development? Which type of </a:t>
             </a:r>
             <a:r>
-              <a:rPr lang="en-GB" sz="3200" b="1" i="1" dirty="0" smtClean="0">
+              <a:rPr lang="en-GB" sz="3200" b="1" i="1" dirty="0">
                 <a:latin typeface="Arial" pitchFamily="34" charset="0"/>
                 <a:cs typeface="Arial" pitchFamily="34" charset="0"/>
               </a:rPr>
               <a:t>systems</a:t>
             </a:r>
             <a:r>
-              <a:rPr lang="en-GB" sz="3200" dirty="0" smtClean="0">
+              <a:rPr lang="en-GB" sz="3200" dirty="0">
                 <a:latin typeface="Arial" pitchFamily="34" charset="0"/>
                 <a:cs typeface="Arial" pitchFamily="34" charset="0"/>
               </a:rPr>
@@ -5590,21 +5373,21 @@
               <a:buChar char="•"/>
             </a:pPr>
             <a:r>
-              <a:rPr lang="en-GB" sz="3200" dirty="0" smtClean="0">
+              <a:rPr lang="en-GB" sz="3200" dirty="0">
                 <a:latin typeface="Arial" pitchFamily="34" charset="0"/>
                 <a:cs typeface="Arial" pitchFamily="34" charset="0"/>
               </a:rPr>
               <a:t>What do we need for </a:t>
             </a:r>
             <a:r>
-              <a:rPr lang="en-GB" sz="3200" dirty="0" err="1" smtClean="0">
+              <a:rPr lang="en-GB" sz="3200" dirty="0" err="1">
                 <a:latin typeface="Arial" pitchFamily="34" charset="0"/>
                 <a:cs typeface="Arial" pitchFamily="34" charset="0"/>
               </a:rPr>
               <a:t>OO</a:t>
             </a:r>
             <a:r>
-              <a:rPr lang="en-GB" sz="3200" dirty="0" smtClean="0">
+              <a:rPr lang="en-GB" sz="3200" dirty="0">
                 <a:latin typeface="Arial" pitchFamily="34" charset="0"/>
                 <a:cs typeface="Arial" pitchFamily="34" charset="0"/>
               </a:rPr>
@@ -5617,7 +5400,7 @@
               <a:buChar char="•"/>
             </a:pPr>
             <a:r>
-              <a:rPr lang="en-GB" sz="3200" dirty="0" smtClean="0">
+              <a:rPr lang="en-GB" sz="3200" dirty="0">
                 <a:latin typeface="Arial" pitchFamily="34" charset="0"/>
                 <a:cs typeface="Arial" pitchFamily="34" charset="0"/>
               </a:rPr>
@@ -5630,7 +5413,7 @@
               <a:buChar char="•"/>
             </a:pPr>
             <a:r>
-              <a:rPr lang="en-GB" sz="3200" dirty="0" smtClean="0">
+              <a:rPr lang="en-GB" sz="3200" dirty="0">
                 <a:latin typeface="Arial" pitchFamily="34" charset="0"/>
                 <a:cs typeface="Arial" pitchFamily="34" charset="0"/>
               </a:rPr>
@@ -5643,39 +5426,11 @@
               <a:buChar char="•"/>
             </a:pPr>
             <a:r>
-              <a:rPr lang="en-GB" sz="3200" dirty="0" smtClean="0">
-                <a:latin typeface="Arial" pitchFamily="34" charset="0"/>
-                <a:cs typeface="Arial" pitchFamily="34" charset="0"/>
-              </a:rPr>
-              <a:t>How is </a:t>
-            </a:r>
-            <a:r>
               <a:rPr lang="en-GB" sz="3200" dirty="0">
                 <a:latin typeface="Arial" pitchFamily="34" charset="0"/>
                 <a:cs typeface="Arial" pitchFamily="34" charset="0"/>
               </a:rPr>
-              <a:t>U</a:t>
-            </a:r>
-            <a:r>
-              <a:rPr lang="en-GB" sz="3200" dirty="0" smtClean="0">
-                <a:latin typeface="Arial" pitchFamily="34" charset="0"/>
-                <a:cs typeface="Arial" pitchFamily="34" charset="0"/>
-              </a:rPr>
-              <a:t>ML related to </a:t>
-            </a:r>
-            <a:r>
-              <a:rPr lang="en-GB" sz="3200" dirty="0">
-                <a:latin typeface="Arial" pitchFamily="34" charset="0"/>
-                <a:cs typeface="Arial" pitchFamily="34" charset="0"/>
-              </a:rPr>
-              <a:t>I</a:t>
-            </a:r>
-            <a:r>
-              <a:rPr lang="en-GB" sz="3200" dirty="0" smtClean="0">
-                <a:latin typeface="Arial" pitchFamily="34" charset="0"/>
-                <a:cs typeface="Arial" pitchFamily="34" charset="0"/>
-              </a:rPr>
-              <a:t>S Development?</a:t>
+              <a:t>How is UML related to IS Development?</a:t>
             </a:r>
           </a:p>
           <a:p>
@@ -5683,7 +5438,7 @@
               <a:buFont typeface="Arial" pitchFamily="34" charset="0"/>
               <a:buChar char="•"/>
             </a:pPr>
-            <a:endParaRPr lang="en-GB" sz="3200" dirty="0" smtClean="0">
+            <a:endParaRPr lang="en-GB" sz="3200" dirty="0">
               <a:latin typeface="Arial" pitchFamily="34" charset="0"/>
               <a:cs typeface="Arial" pitchFamily="34" charset="0"/>
             </a:endParaRPr>
@@ -5706,10 +5461,9 @@
           <a:lstStyle/>
           <a:p>
             <a:r>
-              <a:rPr lang="en-GB" smtClean="0"/>
+              <a:rPr lang="en-GB"/>
               <a:t>USN ES UML4100 Lecture 2</a:t>
             </a:r>
-            <a:endParaRPr lang="en-GB"/>
           </a:p>
         </p:txBody>
       </p:sp>
@@ -5746,21 +5500,6 @@
   <p:clrMapOvr>
     <a:masterClrMapping/>
   </p:clrMapOvr>
-  <mc:AlternateContent xmlns:mc="http://schemas.openxmlformats.org/markup-compatibility/2006" xmlns:p14="http://schemas.microsoft.com/office/powerpoint/2010/main">
-    <mc:Choice Requires="p14">
-      <p:transition spd="slow" p14:dur="2000"/>
-    </mc:Choice>
-    <mc:Fallback xmlns="">
-      <p:transition spd="slow"/>
-    </mc:Fallback>
-  </mc:AlternateContent>
-  <p:timing>
-    <p:tnLst>
-      <p:par>
-        <p:cTn id="1" dur="indefinite" restart="never" nodeType="tmRoot"/>
-      </p:par>
-    </p:tnLst>
-  </p:timing>
 </p:sld>
 </file>
 
@@ -5804,7 +5543,7 @@
           <a:lstStyle/>
           <a:p>
             <a:r>
-              <a:rPr lang="en-US" sz="3600" dirty="0" smtClean="0">
+              <a:rPr lang="en-US" sz="3600" dirty="0">
                 <a:latin typeface="Arial" pitchFamily="34" charset="0"/>
                 <a:cs typeface="Arial" pitchFamily="34" charset="0"/>
               </a:rPr>
@@ -5844,7 +5583,7 @@
               <a:buChar char="•"/>
             </a:pPr>
             <a:r>
-              <a:rPr lang="en-GB" sz="2400" dirty="0" smtClean="0">
+              <a:rPr lang="en-GB" sz="2400" dirty="0">
                 <a:latin typeface="Arial" pitchFamily="34" charset="0"/>
                 <a:cs typeface="Arial" pitchFamily="34" charset="0"/>
               </a:rPr>
@@ -5857,7 +5596,7 @@
               <a:buChar char="•"/>
             </a:pPr>
             <a:r>
-              <a:rPr lang="en-GB" sz="2400" dirty="0" smtClean="0">
+              <a:rPr lang="en-GB" sz="2400" dirty="0">
                 <a:latin typeface="Arial" pitchFamily="34" charset="0"/>
                 <a:cs typeface="Arial" pitchFamily="34" charset="0"/>
               </a:rPr>
@@ -5870,67 +5609,39 @@
               <a:buChar char="•"/>
             </a:pPr>
             <a:r>
-              <a:rPr lang="en-GB" sz="1800" dirty="0" smtClean="0">
-                <a:latin typeface="Arial" pitchFamily="34" charset="0"/>
-                <a:cs typeface="Arial" pitchFamily="34" charset="0"/>
-              </a:rPr>
-              <a:t>Structured </a:t>
-            </a:r>
-            <a:r>
               <a:rPr lang="en-GB" sz="1800" dirty="0">
                 <a:latin typeface="Arial" pitchFamily="34" charset="0"/>
                 <a:cs typeface="Arial" pitchFamily="34" charset="0"/>
               </a:rPr>
-              <a:t>A&amp;D, Information Engineering, SSADM</a:t>
-            </a:r>
-            <a:r>
-              <a:rPr lang="en-GB" sz="1800" dirty="0" smtClean="0">
-                <a:latin typeface="Arial" pitchFamily="34" charset="0"/>
-                <a:cs typeface="Arial" pitchFamily="34" charset="0"/>
-              </a:rPr>
-              <a:t>, </a:t>
-            </a:r>
-            <a:r>
-              <a:rPr lang="en-GB" sz="1800" dirty="0" err="1" smtClean="0">
+              <a:t>Structured A&amp;D, Information Engineering, SSADM, </a:t>
+            </a:r>
+            <a:r>
+              <a:rPr lang="en-GB" sz="1800" dirty="0" err="1">
                 <a:latin typeface="Arial" pitchFamily="34" charset="0"/>
                 <a:cs typeface="Arial" pitchFamily="34" charset="0"/>
               </a:rPr>
               <a:t>Booch</a:t>
             </a:r>
             <a:r>
-              <a:rPr lang="en-GB" sz="1800" dirty="0" smtClean="0">
+              <a:rPr lang="en-GB" sz="1800" dirty="0">
                 <a:latin typeface="Arial" pitchFamily="34" charset="0"/>
                 <a:cs typeface="Arial" pitchFamily="34" charset="0"/>
               </a:rPr>
               <a:t> methodology, </a:t>
             </a:r>
             <a:r>
-              <a:rPr lang="en-GB" sz="1800" dirty="0" err="1" smtClean="0">
+              <a:rPr lang="en-GB" sz="1800" dirty="0" err="1">
                 <a:latin typeface="Arial" pitchFamily="34" charset="0"/>
                 <a:cs typeface="Arial" pitchFamily="34" charset="0"/>
               </a:rPr>
               <a:t>Objectory</a:t>
             </a:r>
             <a:r>
-              <a:rPr lang="en-GB" sz="1800" dirty="0" smtClean="0">
-                <a:latin typeface="Arial" pitchFamily="34" charset="0"/>
-                <a:cs typeface="Arial" pitchFamily="34" charset="0"/>
-              </a:rPr>
-              <a:t>, Unified </a:t>
-            </a:r>
-            <a:r>
               <a:rPr lang="en-GB" sz="1800" dirty="0">
                 <a:latin typeface="Arial" pitchFamily="34" charset="0"/>
                 <a:cs typeface="Arial" pitchFamily="34" charset="0"/>
               </a:rPr>
-              <a:t>Process, XP, Agile and Model based </a:t>
-            </a:r>
-            <a:r>
-              <a:rPr lang="en-GB" sz="1800" dirty="0" smtClean="0">
-                <a:latin typeface="Arial" pitchFamily="34" charset="0"/>
-                <a:cs typeface="Arial" pitchFamily="34" charset="0"/>
-              </a:rPr>
-              <a:t>development.</a:t>
+              <a:t>, Unified Process, XP, Agile and Model based development.</a:t>
             </a:r>
           </a:p>
           <a:p>
@@ -5943,28 +5654,7 @@
                 <a:latin typeface="Arial" pitchFamily="34" charset="0"/>
                 <a:cs typeface="Arial" pitchFamily="34" charset="0"/>
               </a:rPr>
-              <a:t>W</a:t>
-            </a:r>
-            <a:r>
-              <a:rPr lang="en-GB" sz="1800" dirty="0" smtClean="0">
-                <a:latin typeface="Arial" pitchFamily="34" charset="0"/>
-                <a:cs typeface="Arial" pitchFamily="34" charset="0"/>
-              </a:rPr>
-              <a:t>hich </a:t>
-            </a:r>
-            <a:r>
-              <a:rPr lang="en-GB" sz="1800" dirty="0">
-                <a:latin typeface="Arial" pitchFamily="34" charset="0"/>
-                <a:cs typeface="Arial" pitchFamily="34" charset="0"/>
-              </a:rPr>
-              <a:t>one of them proved to be efficient and delivered results</a:t>
-            </a:r>
-            <a:r>
-              <a:rPr lang="en-GB" sz="1800" dirty="0" smtClean="0">
-                <a:latin typeface="Arial" pitchFamily="34" charset="0"/>
-                <a:cs typeface="Arial" pitchFamily="34" charset="0"/>
-              </a:rPr>
-              <a:t>?</a:t>
+              <a:t>Which one of them proved to be efficient and delivered results?</a:t>
             </a:r>
           </a:p>
           <a:p>
@@ -5973,7 +5663,7 @@
               <a:buChar char="•"/>
             </a:pPr>
             <a:r>
-              <a:rPr lang="en-GB" sz="2400" dirty="0" smtClean="0">
+              <a:rPr lang="en-GB" sz="2400" dirty="0">
                 <a:latin typeface="Arial" pitchFamily="34" charset="0"/>
                 <a:cs typeface="Arial" pitchFamily="34" charset="0"/>
               </a:rPr>
@@ -6003,7 +5693,7 @@
               <a:buChar char="•"/>
             </a:pPr>
             <a:r>
-              <a:rPr lang="en-GB" sz="2400" dirty="0" smtClean="0">
+              <a:rPr lang="en-GB" sz="2400" dirty="0">
                 <a:latin typeface="Arial" pitchFamily="34" charset="0"/>
                 <a:cs typeface="Arial" pitchFamily="34" charset="0"/>
               </a:rPr>
@@ -6028,10 +5718,9 @@
           <a:lstStyle/>
           <a:p>
             <a:r>
-              <a:rPr lang="en-GB" smtClean="0"/>
+              <a:rPr lang="en-GB"/>
               <a:t>USN ES UML4100 Lecture 2</a:t>
             </a:r>
-            <a:endParaRPr lang="en-GB"/>
           </a:p>
         </p:txBody>
       </p:sp>
@@ -6068,21 +5757,6 @@
   <p:clrMapOvr>
     <a:masterClrMapping/>
   </p:clrMapOvr>
-  <mc:AlternateContent xmlns:mc="http://schemas.openxmlformats.org/markup-compatibility/2006" xmlns:p14="http://schemas.microsoft.com/office/powerpoint/2010/main">
-    <mc:Choice Requires="p14">
-      <p:transition spd="slow" p14:dur="2000"/>
-    </mc:Choice>
-    <mc:Fallback xmlns="">
-      <p:transition spd="slow"/>
-    </mc:Fallback>
-  </mc:AlternateContent>
-  <p:timing>
-    <p:tnLst>
-      <p:par>
-        <p:cTn id="1" dur="indefinite" restart="never" nodeType="tmRoot"/>
-      </p:par>
-    </p:tnLst>
-  </p:timing>
 </p:sld>
 </file>
 
@@ -6131,14 +5805,7 @@
                 <a:latin typeface="Arial" pitchFamily="34" charset="0"/>
                 <a:cs typeface="Arial" pitchFamily="34" charset="0"/>
               </a:rPr>
-              <a:t>Evolution of </a:t>
-            </a:r>
-            <a:r>
-              <a:rPr lang="en-US" sz="3600" dirty="0" smtClean="0">
-                <a:latin typeface="Arial" pitchFamily="34" charset="0"/>
-                <a:cs typeface="Arial" pitchFamily="34" charset="0"/>
-              </a:rPr>
-              <a:t>UML</a:t>
+              <a:t>Evolution of UML</a:t>
             </a:r>
             <a:endParaRPr lang="en-GB" sz="3600" b="1" dirty="0">
               <a:latin typeface="Arial" pitchFamily="34" charset="0"/>
@@ -6174,25 +5841,11 @@
               <a:buChar char="•"/>
             </a:pPr>
             <a:r>
-              <a:rPr lang="en-GB" sz="3200" dirty="0" smtClean="0">
-                <a:latin typeface="Arial" pitchFamily="34" charset="0"/>
-                <a:cs typeface="Arial" pitchFamily="34" charset="0"/>
-              </a:rPr>
-              <a:t>Why was </a:t>
-            </a:r>
-            <a:r>
               <a:rPr lang="en-GB" sz="3200" dirty="0">
                 <a:latin typeface="Arial" pitchFamily="34" charset="0"/>
                 <a:cs typeface="Arial" pitchFamily="34" charset="0"/>
               </a:rPr>
-              <a:t>U</a:t>
-            </a:r>
-            <a:r>
-              <a:rPr lang="en-GB" sz="3200" dirty="0" smtClean="0">
-                <a:latin typeface="Arial" pitchFamily="34" charset="0"/>
-                <a:cs typeface="Arial" pitchFamily="34" charset="0"/>
-              </a:rPr>
-              <a:t>ML “invented”</a:t>
+              <a:t>Why was UML “invented”</a:t>
             </a:r>
           </a:p>
           <a:p>
@@ -6201,7 +5854,7 @@
               <a:buChar char="•"/>
             </a:pPr>
             <a:r>
-              <a:rPr lang="en-GB" sz="3200" dirty="0" smtClean="0">
+              <a:rPr lang="en-GB" sz="3200" dirty="0">
                 <a:latin typeface="Arial" pitchFamily="34" charset="0"/>
                 <a:cs typeface="Arial" pitchFamily="34" charset="0"/>
               </a:rPr>
@@ -6214,25 +5867,11 @@
               <a:buChar char="•"/>
             </a:pPr>
             <a:r>
-              <a:rPr lang="en-GB" sz="3200" dirty="0" smtClean="0">
-                <a:latin typeface="Arial" pitchFamily="34" charset="0"/>
-                <a:cs typeface="Arial" pitchFamily="34" charset="0"/>
-              </a:rPr>
-              <a:t>What was an initial purpose of </a:t>
-            </a:r>
-            <a:r>
               <a:rPr lang="en-GB" sz="3200" dirty="0">
                 <a:latin typeface="Arial" pitchFamily="34" charset="0"/>
                 <a:cs typeface="Arial" pitchFamily="34" charset="0"/>
               </a:rPr>
-              <a:t>U</a:t>
-            </a:r>
-            <a:r>
-              <a:rPr lang="en-GB" sz="3200" dirty="0" smtClean="0">
-                <a:latin typeface="Arial" pitchFamily="34" charset="0"/>
-                <a:cs typeface="Arial" pitchFamily="34" charset="0"/>
-              </a:rPr>
-              <a:t>ML?</a:t>
+              <a:t>What was an initial purpose of UML?</a:t>
             </a:r>
           </a:p>
           <a:p>
@@ -6241,25 +5880,11 @@
               <a:buChar char="•"/>
             </a:pPr>
             <a:r>
-              <a:rPr lang="en-GB" sz="3200" dirty="0" smtClean="0">
-                <a:latin typeface="Arial" pitchFamily="34" charset="0"/>
-                <a:cs typeface="Arial" pitchFamily="34" charset="0"/>
-              </a:rPr>
-              <a:t> Which role does </a:t>
-            </a:r>
-            <a:r>
               <a:rPr lang="en-GB" sz="3200" dirty="0">
                 <a:latin typeface="Arial" pitchFamily="34" charset="0"/>
                 <a:cs typeface="Arial" pitchFamily="34" charset="0"/>
               </a:rPr>
-              <a:t>U</a:t>
-            </a:r>
-            <a:r>
-              <a:rPr lang="en-GB" sz="3200" dirty="0" smtClean="0">
-                <a:latin typeface="Arial" pitchFamily="34" charset="0"/>
-                <a:cs typeface="Arial" pitchFamily="34" charset="0"/>
-              </a:rPr>
-              <a:t>ML have now?</a:t>
+              <a:t> Which role does UML have now?</a:t>
             </a:r>
           </a:p>
           <a:p>
@@ -6268,7 +5893,7 @@
               <a:buChar char="•"/>
             </a:pPr>
             <a:r>
-              <a:rPr lang="en-GB" sz="3200" dirty="0" smtClean="0">
+              <a:rPr lang="en-GB" sz="3200" dirty="0">
                 <a:latin typeface="Arial" pitchFamily="34" charset="0"/>
                 <a:cs typeface="Arial" pitchFamily="34" charset="0"/>
               </a:rPr>
@@ -6281,7 +5906,7 @@
               <a:buChar char="•"/>
             </a:pPr>
             <a:r>
-              <a:rPr lang="en-GB" sz="3200" dirty="0" smtClean="0">
+              <a:rPr lang="en-GB" sz="3200" dirty="0">
                 <a:latin typeface="Arial" pitchFamily="34" charset="0"/>
                 <a:cs typeface="Arial" pitchFamily="34" charset="0"/>
               </a:rPr>
@@ -6291,25 +5916,11 @@
           <a:p>
             <a:pPr lvl="3" algn="l"/>
             <a:r>
-              <a:rPr lang="en-GB" sz="2600" dirty="0" smtClean="0">
-                <a:latin typeface="Arial" pitchFamily="34" charset="0"/>
-                <a:cs typeface="Arial" pitchFamily="34" charset="0"/>
-              </a:rPr>
-              <a:t>We have to be careful: UML is a language. Where s </a:t>
-            </a:r>
-            <a:r>
-              <a:rPr lang="en-GB" sz="2600" dirty="0" smtClean="0">
-                <a:latin typeface="Arial" pitchFamily="34" charset="0"/>
-                <a:cs typeface="Arial" pitchFamily="34" charset="0"/>
-              </a:rPr>
-              <a:t>a (the) </a:t>
-            </a:r>
-            <a:r>
-              <a:rPr lang="en-GB" sz="2600" dirty="0" smtClean="0">
-                <a:latin typeface="Arial" pitchFamily="34" charset="0"/>
-                <a:cs typeface="Arial" pitchFamily="34" charset="0"/>
-              </a:rPr>
-              <a:t>process? Methodology?</a:t>
+              <a:rPr lang="en-GB" sz="2600" dirty="0">
+                <a:latin typeface="Arial" pitchFamily="34" charset="0"/>
+                <a:cs typeface="Arial" pitchFamily="34" charset="0"/>
+              </a:rPr>
+              <a:t>We have to be careful: UML is a language. Where s a (the) process? Methodology?</a:t>
             </a:r>
           </a:p>
           <a:p>
@@ -6318,7 +5929,7 @@
               <a:buChar char="•"/>
             </a:pPr>
             <a:r>
-              <a:rPr lang="en-GB" sz="3200" dirty="0" smtClean="0">
+              <a:rPr lang="en-GB" sz="3200" dirty="0">
                 <a:latin typeface="Arial" pitchFamily="34" charset="0"/>
                 <a:cs typeface="Arial" pitchFamily="34" charset="0"/>
               </a:rPr>
@@ -6343,10 +5954,9 @@
           <a:lstStyle/>
           <a:p>
             <a:r>
-              <a:rPr lang="en-GB" smtClean="0"/>
+              <a:rPr lang="en-GB"/>
               <a:t>USN ES UML4100 Lecture 2</a:t>
             </a:r>
-            <a:endParaRPr lang="en-GB"/>
           </a:p>
         </p:txBody>
       </p:sp>
@@ -6383,21 +5993,6 @@
   <p:clrMapOvr>
     <a:masterClrMapping/>
   </p:clrMapOvr>
-  <mc:AlternateContent xmlns:mc="http://schemas.openxmlformats.org/markup-compatibility/2006" xmlns:p14="http://schemas.microsoft.com/office/powerpoint/2010/main">
-    <mc:Choice Requires="p14">
-      <p:transition spd="slow" p14:dur="2000"/>
-    </mc:Choice>
-    <mc:Fallback xmlns="">
-      <p:transition spd="slow"/>
-    </mc:Fallback>
-  </mc:AlternateContent>
-  <p:timing>
-    <p:tnLst>
-      <p:par>
-        <p:cTn id="1" dur="indefinite" restart="never" nodeType="tmRoot"/>
-      </p:par>
-    </p:tnLst>
-  </p:timing>
 </p:sld>
 </file>
 
@@ -6442,7 +6037,7 @@
           <a:p>
             <a:pPr marL="370332" indent="-342900"/>
             <a:r>
-              <a:rPr lang="en-US" sz="2900" dirty="0" smtClean="0">
+              <a:rPr lang="en-US" sz="2900" dirty="0">
                 <a:latin typeface="Arial" pitchFamily="34" charset="0"/>
                 <a:cs typeface="Arial" pitchFamily="34" charset="0"/>
               </a:rPr>
@@ -6482,7 +6077,7 @@
               <a:buChar char="•"/>
             </a:pPr>
             <a:r>
-              <a:rPr lang="en-GB" sz="2000" dirty="0" smtClean="0">
+              <a:rPr lang="en-GB" sz="2000" dirty="0">
                 <a:latin typeface="Arial" pitchFamily="34" charset="0"/>
                 <a:cs typeface="Arial" pitchFamily="34" charset="0"/>
               </a:rPr>
@@ -6495,28 +6090,28 @@
               <a:buChar char="•"/>
             </a:pPr>
             <a:r>
-              <a:rPr lang="en-GB" sz="2000" u="sng" dirty="0" smtClean="0">
+              <a:rPr lang="en-GB" sz="2000" u="sng" dirty="0">
                 <a:latin typeface="Arial" pitchFamily="34" charset="0"/>
                 <a:cs typeface="Arial" pitchFamily="34" charset="0"/>
               </a:rPr>
               <a:t>UML modelling elements</a:t>
             </a:r>
             <a:r>
-              <a:rPr lang="en-GB" sz="2000" dirty="0" smtClean="0">
+              <a:rPr lang="en-GB" sz="2000" dirty="0">
                 <a:latin typeface="Arial" pitchFamily="34" charset="0"/>
                 <a:cs typeface="Arial" pitchFamily="34" charset="0"/>
               </a:rPr>
               <a:t> can be used for creating </a:t>
             </a:r>
             <a:r>
-              <a:rPr lang="en-GB" sz="2000" u="sng" dirty="0" smtClean="0">
+              <a:rPr lang="en-GB" sz="2000" u="sng" dirty="0">
                 <a:latin typeface="Arial" pitchFamily="34" charset="0"/>
                 <a:cs typeface="Arial" pitchFamily="34" charset="0"/>
               </a:rPr>
               <a:t>UML diagrams</a:t>
             </a:r>
             <a:r>
-              <a:rPr lang="en-GB" sz="2000" dirty="0" smtClean="0">
+              <a:rPr lang="en-GB" sz="2000" dirty="0">
                 <a:latin typeface="Arial" pitchFamily="34" charset="0"/>
                 <a:cs typeface="Arial" pitchFamily="34" charset="0"/>
               </a:rPr>
@@ -6529,14 +6124,14 @@
               <a:buChar char="•"/>
             </a:pPr>
             <a:r>
-              <a:rPr lang="en-GB" sz="2000" dirty="0" smtClean="0">
+              <a:rPr lang="en-GB" sz="2000" dirty="0">
                 <a:latin typeface="Arial" pitchFamily="34" charset="0"/>
                 <a:cs typeface="Arial" pitchFamily="34" charset="0"/>
               </a:rPr>
               <a:t>All UML modelling elements have their </a:t>
             </a:r>
             <a:r>
-              <a:rPr lang="en-GB" sz="2000" b="1" dirty="0" smtClean="0">
+              <a:rPr lang="en-GB" sz="2000" b="1" dirty="0">
                 <a:solidFill>
                   <a:srgbClr val="FF0000"/>
                 </a:solidFill>
@@ -6546,7 +6141,7 @@
               <a:t>syntax</a:t>
             </a:r>
             <a:r>
-              <a:rPr lang="en-GB" sz="2000" dirty="0" smtClean="0">
+              <a:rPr lang="en-GB" sz="2000" dirty="0">
                 <a:latin typeface="Arial" pitchFamily="34" charset="0"/>
                 <a:cs typeface="Arial" pitchFamily="34" charset="0"/>
               </a:rPr>
@@ -6559,14 +6154,14 @@
               <a:buChar char="•"/>
             </a:pPr>
             <a:r>
-              <a:rPr lang="en-GB" sz="2000" dirty="0" smtClean="0">
+              <a:rPr lang="en-GB" sz="2000" dirty="0">
                 <a:latin typeface="Arial" pitchFamily="34" charset="0"/>
                 <a:cs typeface="Arial" pitchFamily="34" charset="0"/>
               </a:rPr>
               <a:t>We also have to learn their </a:t>
             </a:r>
             <a:r>
-              <a:rPr lang="en-GB" sz="2000" b="1" dirty="0" smtClean="0">
+              <a:rPr lang="en-GB" sz="2000" b="1" dirty="0">
                 <a:solidFill>
                   <a:srgbClr val="FF0000"/>
                 </a:solidFill>
@@ -6576,25 +6171,11 @@
               <a:t>semantics</a:t>
             </a:r>
             <a:r>
-              <a:rPr lang="en-GB" sz="2000" dirty="0" smtClean="0">
-                <a:latin typeface="Arial" pitchFamily="34" charset="0"/>
-                <a:cs typeface="Arial" pitchFamily="34" charset="0"/>
-              </a:rPr>
-              <a:t>: it applies to the problem we model with </a:t>
-            </a:r>
-            <a:r>
               <a:rPr lang="en-GB" sz="2000" dirty="0">
                 <a:latin typeface="Arial" pitchFamily="34" charset="0"/>
                 <a:cs typeface="Arial" pitchFamily="34" charset="0"/>
               </a:rPr>
-              <a:t>U</a:t>
-            </a:r>
-            <a:r>
-              <a:rPr lang="en-GB" sz="2000" dirty="0" smtClean="0">
-                <a:latin typeface="Arial" pitchFamily="34" charset="0"/>
-                <a:cs typeface="Arial" pitchFamily="34" charset="0"/>
-              </a:rPr>
-              <a:t>ML and solutions UML diagrams offer.</a:t>
+              <a:t>: it applies to the problem we model with UML and solutions UML diagrams offer.</a:t>
             </a:r>
           </a:p>
           <a:p>
@@ -6603,7 +6184,7 @@
               <a:buChar char="•"/>
             </a:pPr>
             <a:r>
-              <a:rPr lang="en-GB" sz="2000" dirty="0" smtClean="0">
+              <a:rPr lang="en-GB" sz="2000" dirty="0">
                 <a:latin typeface="Arial" pitchFamily="34" charset="0"/>
                 <a:cs typeface="Arial" pitchFamily="34" charset="0"/>
               </a:rPr>
@@ -6616,7 +6197,7 @@
               <a:buChar char="•"/>
             </a:pPr>
             <a:r>
-              <a:rPr lang="en-GB" sz="2000" dirty="0" smtClean="0">
+              <a:rPr lang="en-GB" sz="2000" dirty="0">
                 <a:latin typeface="Arial" pitchFamily="34" charset="0"/>
                 <a:cs typeface="Arial" pitchFamily="34" charset="0"/>
               </a:rPr>
@@ -6626,7 +6207,7 @@
           <a:p>
             <a:pPr lvl="3" algn="l"/>
             <a:r>
-              <a:rPr lang="en-GB" sz="1700" dirty="0" smtClean="0">
+              <a:rPr lang="en-GB" sz="1700" dirty="0">
                 <a:latin typeface="Arial" pitchFamily="34" charset="0"/>
                 <a:cs typeface="Arial" pitchFamily="34" charset="0"/>
               </a:rPr>
@@ -6636,7 +6217,7 @@
           <a:p>
             <a:pPr lvl="3" algn="l"/>
             <a:r>
-              <a:rPr lang="en-GB" sz="1700" dirty="0" smtClean="0">
+              <a:rPr lang="en-GB" sz="1700" dirty="0">
                 <a:latin typeface="Arial" pitchFamily="34" charset="0"/>
                 <a:cs typeface="Arial" pitchFamily="34" charset="0"/>
               </a:rPr>
@@ -6649,7 +6230,7 @@
               <a:buChar char="•"/>
             </a:pPr>
             <a:r>
-              <a:rPr lang="en-GB" sz="2300" dirty="0" smtClean="0">
+              <a:rPr lang="en-GB" sz="2300" dirty="0">
                 <a:latin typeface="Arial" pitchFamily="34" charset="0"/>
                 <a:cs typeface="Arial" pitchFamily="34" charset="0"/>
               </a:rPr>
@@ -6661,7 +6242,7 @@
               <a:buFont typeface="Arial" pitchFamily="34" charset="0"/>
               <a:buChar char="•"/>
             </a:pPr>
-            <a:endParaRPr lang="en-GB" sz="2800" dirty="0" smtClean="0">
+            <a:endParaRPr lang="en-GB" sz="2800" dirty="0">
               <a:latin typeface="Arial" pitchFamily="34" charset="0"/>
               <a:cs typeface="Arial" pitchFamily="34" charset="0"/>
             </a:endParaRPr>
@@ -6684,10 +6265,9 @@
           <a:lstStyle/>
           <a:p>
             <a:r>
-              <a:rPr lang="en-GB" smtClean="0"/>
+              <a:rPr lang="en-GB"/>
               <a:t>USN ES UML4100 Lecture 2</a:t>
             </a:r>
-            <a:endParaRPr lang="en-GB"/>
           </a:p>
         </p:txBody>
       </p:sp>
@@ -6724,21 +6304,6 @@
   <p:clrMapOvr>
     <a:masterClrMapping/>
   </p:clrMapOvr>
-  <mc:AlternateContent xmlns:mc="http://schemas.openxmlformats.org/markup-compatibility/2006" xmlns:p14="http://schemas.microsoft.com/office/powerpoint/2010/main">
-    <mc:Choice Requires="p14">
-      <p:transition spd="slow" p14:dur="2000"/>
-    </mc:Choice>
-    <mc:Fallback xmlns="">
-      <p:transition spd="slow"/>
-    </mc:Fallback>
-  </mc:AlternateContent>
-  <p:timing>
-    <p:tnLst>
-      <p:par>
-        <p:cTn id="1" dur="indefinite" restart="never" nodeType="tmRoot"/>
-      </p:par>
-    </p:tnLst>
-  </p:timing>
 </p:sld>
 </file>
 
@@ -6783,7 +6348,7 @@
           <a:p>
             <a:pPr marL="370332" indent="-342900"/>
             <a:r>
-              <a:rPr lang="en-US" sz="2900" dirty="0" smtClean="0">
+              <a:rPr lang="en-US" sz="2900" dirty="0">
                 <a:latin typeface="Arial" pitchFamily="34" charset="0"/>
                 <a:cs typeface="Arial" pitchFamily="34" charset="0"/>
               </a:rPr>
@@ -6837,7 +6402,7 @@
           <a:p>
             <a:pPr lvl="0"/>
             <a:r>
-              <a:rPr lang="en-GB" u="sng" dirty="0" smtClean="0">
+              <a:rPr lang="en-GB" u="sng" dirty="0">
                 <a:solidFill>
                   <a:schemeClr val="tx1"/>
                 </a:solidFill>
@@ -6846,7 +6411,7 @@
               <a:t>Class Diagram</a:t>
             </a:r>
             <a:r>
-              <a:rPr lang="en-GB" u="sng" dirty="0" smtClean="0">
+              <a:rPr lang="en-GB" u="sng" dirty="0">
                 <a:solidFill>
                   <a:schemeClr val="tx1"/>
                 </a:solidFill>
@@ -6854,7 +6419,7 @@
               <a:t>, </a:t>
             </a:r>
             <a:r>
-              <a:rPr lang="en-GB" u="sng" dirty="0" smtClean="0">
+              <a:rPr lang="en-GB" u="sng" dirty="0">
                 <a:solidFill>
                   <a:schemeClr val="tx1"/>
                 </a:solidFill>
@@ -6863,7 +6428,7 @@
               <a:t>Component Diagram</a:t>
             </a:r>
             <a:r>
-              <a:rPr lang="en-GB" u="sng" dirty="0" smtClean="0">
+              <a:rPr lang="en-GB" u="sng" dirty="0">
                 <a:solidFill>
                   <a:schemeClr val="tx1"/>
                 </a:solidFill>
@@ -6873,15 +6438,6 @@
           </a:p>
           <a:p>
             <a:pPr lvl="0"/>
-            <a:r>
-              <a:rPr lang="en-GB" u="sng" dirty="0" smtClean="0">
-                <a:solidFill>
-                  <a:schemeClr val="tx1"/>
-                </a:solidFill>
-                <a:hlinkClick r:id="rId4"/>
-              </a:rPr>
-              <a:t>Deployment </a:t>
-            </a:r>
             <a:r>
               <a:rPr lang="en-GB" u="sng" dirty="0">
                 <a:solidFill>
@@ -6889,7 +6445,7 @@
                 </a:solidFill>
                 <a:hlinkClick r:id="rId4"/>
               </a:rPr>
-              <a:t>Diagram</a:t>
+              <a:t>Deployment Diagram</a:t>
             </a:r>
             <a:endParaRPr lang="en-GB" dirty="0">
               <a:solidFill>
@@ -6906,27 +6462,18 @@
                 </a:solidFill>
                 <a:hlinkClick r:id="rId5"/>
               </a:rPr>
-              <a:t>Object </a:t>
-            </a:r>
-            <a:r>
-              <a:rPr lang="en-GB" u="sng" dirty="0" smtClean="0">
+              <a:t>Object Diagram</a:t>
+            </a:r>
+            <a:r>
+              <a:rPr lang="en-GB" u="sng" dirty="0">
                 <a:solidFill>
                   <a:schemeClr val="tx1"/>
                 </a:solidFill>
-                <a:hlinkClick r:id="rId5"/>
-              </a:rPr>
-              <a:t>Diagram</a:t>
-            </a:r>
-            <a:r>
-              <a:rPr lang="en-GB" u="sng" dirty="0" smtClean="0">
-                <a:solidFill>
-                  <a:schemeClr val="tx1"/>
-                </a:solidFill>
               </a:rPr>
               <a:t>, </a:t>
             </a:r>
             <a:r>
-              <a:rPr lang="en-GB" u="sng" dirty="0" smtClean="0">
+              <a:rPr lang="en-GB" u="sng" dirty="0">
                 <a:solidFill>
                   <a:schemeClr val="tx1"/>
                 </a:solidFill>
@@ -6935,21 +6482,12 @@
               <a:t>Package Diagram</a:t>
             </a:r>
             <a:r>
-              <a:rPr lang="en-GB" u="sng" dirty="0" smtClean="0">
+              <a:rPr lang="en-GB" u="sng" dirty="0">
                 <a:solidFill>
                   <a:schemeClr val="tx1"/>
                 </a:solidFill>
               </a:rPr>
               <a:t>, </a:t>
-            </a:r>
-            <a:r>
-              <a:rPr lang="en-GB" u="sng" dirty="0" smtClean="0">
-                <a:solidFill>
-                  <a:schemeClr val="tx1"/>
-                </a:solidFill>
-                <a:hlinkClick r:id="rId7"/>
-              </a:rPr>
-              <a:t>Profile </a:t>
             </a:r>
             <a:r>
               <a:rPr lang="en-GB" u="sng" dirty="0">
@@ -6958,7 +6496,7 @@
                 </a:solidFill>
                 <a:hlinkClick r:id="rId7"/>
               </a:rPr>
-              <a:t>Diagram</a:t>
+              <a:t>Profile Diagram</a:t>
             </a:r>
             <a:endParaRPr lang="en-GB" dirty="0">
               <a:solidFill>
@@ -6975,18 +6513,9 @@
                 </a:solidFill>
                 <a:hlinkClick r:id="rId8"/>
               </a:rPr>
-              <a:t>Composite Structure </a:t>
-            </a:r>
-            <a:r>
-              <a:rPr lang="en-GB" u="sng" dirty="0" smtClean="0">
-                <a:solidFill>
-                  <a:schemeClr val="tx1"/>
-                </a:solidFill>
-                <a:hlinkClick r:id="rId8"/>
-              </a:rPr>
-              <a:t>Diagram</a:t>
-            </a:r>
-            <a:endParaRPr lang="en-GB" u="sng" dirty="0" smtClean="0">
+              <a:t>Composite Structure Diagram</a:t>
+            </a:r>
+            <a:endParaRPr lang="en-GB" u="sng" dirty="0">
               <a:solidFill>
                 <a:schemeClr val="tx1"/>
               </a:solidFill>
@@ -7007,15 +6536,36 @@
                   <a:schemeClr val="tx1"/>
                 </a:solidFill>
               </a:rPr>
-              <a:t> diagrams (dynamics</a:t>
-            </a:r>
-            <a:r>
-              <a:rPr lang="en-GB" dirty="0" smtClean="0">
+              <a:t> diagrams (dynamics)</a:t>
+            </a:r>
+          </a:p>
+          <a:p>
+            <a:pPr lvl="0"/>
+            <a:r>
+              <a:rPr lang="en-GB" u="sng" dirty="0">
                 <a:solidFill>
                   <a:schemeClr val="tx1"/>
                 </a:solidFill>
-              </a:rPr>
-              <a:t>)</a:t>
+                <a:hlinkClick r:id="rId9"/>
+              </a:rPr>
+              <a:t>Use Case Diagram</a:t>
+            </a:r>
+            <a:r>
+              <a:rPr lang="en-GB" dirty="0">
+                <a:solidFill>
+                  <a:schemeClr val="tx1"/>
+                </a:solidFill>
+              </a:rPr>
+              <a:t>, </a:t>
+            </a:r>
+            <a:r>
+              <a:rPr lang="en-GB" u="sng" dirty="0">
+                <a:solidFill>
+                  <a:schemeClr val="tx1"/>
+                </a:solidFill>
+                <a:hlinkClick r:id="rId10"/>
+              </a:rPr>
+              <a:t>Activity Diagram</a:t>
             </a:r>
             <a:endParaRPr lang="en-GB" dirty="0">
               <a:solidFill>
@@ -7026,57 +6576,30 @@
           <a:p>
             <a:pPr lvl="0"/>
             <a:r>
-              <a:rPr lang="en-GB" u="sng" dirty="0" smtClean="0">
-                <a:solidFill>
-                  <a:schemeClr val="tx1"/>
-                </a:solidFill>
-                <a:hlinkClick r:id="rId9"/>
-              </a:rPr>
-              <a:t>Use </a:t>
-            </a:r>
-            <a:r>
               <a:rPr lang="en-GB" u="sng" dirty="0">
                 <a:solidFill>
                   <a:schemeClr val="tx1"/>
                 </a:solidFill>
-                <a:hlinkClick r:id="rId9"/>
-              </a:rPr>
-              <a:t>Case </a:t>
-            </a:r>
-            <a:r>
-              <a:rPr lang="en-GB" u="sng" dirty="0" smtClean="0">
-                <a:solidFill>
-                  <a:schemeClr val="tx1"/>
-                </a:solidFill>
-                <a:hlinkClick r:id="rId9"/>
-              </a:rPr>
-              <a:t>Diagram</a:t>
-            </a:r>
-            <a:r>
-              <a:rPr lang="en-GB" dirty="0" smtClean="0">
-                <a:solidFill>
-                  <a:schemeClr val="tx1"/>
-                </a:solidFill>
-              </a:rPr>
-              <a:t>, </a:t>
-            </a:r>
-            <a:r>
-              <a:rPr lang="en-GB" u="sng" dirty="0" smtClean="0">
-                <a:solidFill>
-                  <a:schemeClr val="tx1"/>
-                </a:solidFill>
-                <a:hlinkClick r:id="rId10"/>
-              </a:rPr>
-              <a:t>Activity </a:t>
+                <a:hlinkClick r:id="rId11"/>
+              </a:rPr>
+              <a:t>State Machine Diagram</a:t>
             </a:r>
             <a:r>
               <a:rPr lang="en-GB" u="sng" dirty="0">
                 <a:solidFill>
                   <a:schemeClr val="tx1"/>
                 </a:solidFill>
-                <a:hlinkClick r:id="rId10"/>
-              </a:rPr>
-              <a:t>Diagram</a:t>
+              </a:rPr>
+              <a:t>, </a:t>
+            </a:r>
+            <a:r>
+              <a:rPr lang="en-GB" u="sng" dirty="0">
+                <a:solidFill>
+                  <a:schemeClr val="tx1"/>
+                </a:solidFill>
+                <a:hlinkClick r:id="rId12"/>
+              </a:rPr>
+              <a:t>Sequence Diagram</a:t>
             </a:r>
             <a:endParaRPr lang="en-GB" dirty="0">
               <a:solidFill>
@@ -7091,44 +6614,26 @@
                 <a:solidFill>
                   <a:schemeClr val="tx1"/>
                 </a:solidFill>
-                <a:hlinkClick r:id="rId11"/>
-              </a:rPr>
-              <a:t>State Machine </a:t>
-            </a:r>
-            <a:r>
-              <a:rPr lang="en-GB" u="sng" dirty="0" smtClean="0">
-                <a:solidFill>
-                  <a:schemeClr val="tx1"/>
-                </a:solidFill>
-                <a:hlinkClick r:id="rId11"/>
-              </a:rPr>
-              <a:t>Diagram</a:t>
-            </a:r>
-            <a:r>
-              <a:rPr lang="en-GB" u="sng" dirty="0" smtClean="0">
-                <a:solidFill>
-                  <a:schemeClr val="tx1"/>
-                </a:solidFill>
-              </a:rPr>
-              <a:t>, </a:t>
-            </a:r>
-            <a:r>
-              <a:rPr lang="en-GB" u="sng" dirty="0" smtClean="0">
-                <a:solidFill>
-                  <a:schemeClr val="tx1"/>
-                </a:solidFill>
-                <a:hlinkClick r:id="rId12"/>
-              </a:rPr>
-              <a:t>Sequence </a:t>
+                <a:hlinkClick r:id="rId13"/>
+              </a:rPr>
+              <a:t>Communication Diagram</a:t>
             </a:r>
             <a:r>
               <a:rPr lang="en-GB" u="sng" dirty="0">
                 <a:solidFill>
                   <a:schemeClr val="tx1"/>
                 </a:solidFill>
-                <a:hlinkClick r:id="rId12"/>
-              </a:rPr>
-              <a:t>Diagram</a:t>
+              </a:rPr>
+              <a:t>, </a:t>
+            </a:r>
+            <a:r>
+              <a:rPr lang="en-GB" u="sng" dirty="0">
+                <a:solidFill>
+                  <a:schemeClr val="tx1"/>
+                </a:solidFill>
+                <a:hlinkClick r:id="rId14"/>
+              </a:rPr>
+              <a:t>Interaction Overview Diagram</a:t>
             </a:r>
             <a:endParaRPr lang="en-GB" dirty="0">
               <a:solidFill>
@@ -7143,44 +6648,17 @@
                 <a:solidFill>
                   <a:schemeClr val="tx1"/>
                 </a:solidFill>
-                <a:hlinkClick r:id="rId13"/>
-              </a:rPr>
-              <a:t>Communication </a:t>
-            </a:r>
-            <a:r>
-              <a:rPr lang="en-GB" u="sng" dirty="0" smtClean="0">
+                <a:hlinkClick r:id="rId15"/>
+              </a:rPr>
+              <a:t>Timing Diagram</a:t>
+            </a:r>
+            <a:r>
+              <a:rPr lang="en-US" dirty="0">
                 <a:solidFill>
                   <a:schemeClr val="tx1"/>
                 </a:solidFill>
-                <a:hlinkClick r:id="rId13"/>
-              </a:rPr>
-              <a:t>Diagram</a:t>
-            </a:r>
-            <a:r>
-              <a:rPr lang="en-GB" u="sng" dirty="0" smtClean="0">
-                <a:solidFill>
-                  <a:schemeClr val="tx1"/>
-                </a:solidFill>
-              </a:rPr>
-              <a:t>, </a:t>
-            </a:r>
-            <a:r>
-              <a:rPr lang="en-GB" u="sng" dirty="0" smtClean="0">
-                <a:solidFill>
-                  <a:schemeClr val="tx1"/>
-                </a:solidFill>
-                <a:hlinkClick r:id="rId14"/>
-              </a:rPr>
-              <a:t>Interaction </a:t>
-            </a:r>
-            <a:r>
-              <a:rPr lang="en-GB" u="sng" dirty="0">
-                <a:solidFill>
-                  <a:schemeClr val="tx1"/>
-                </a:solidFill>
-                <a:hlinkClick r:id="rId14"/>
-              </a:rPr>
-              <a:t>Overview Diagram</a:t>
+              </a:rPr>
+              <a:t> </a:t>
             </a:r>
             <a:endParaRPr lang="en-GB" dirty="0">
               <a:solidFill>
@@ -7189,46 +6667,12 @@
             </a:endParaRPr>
           </a:p>
           <a:p>
-            <a:pPr lvl="0"/>
-            <a:r>
-              <a:rPr lang="en-GB" u="sng" dirty="0">
-                <a:solidFill>
-                  <a:schemeClr val="tx1"/>
-                </a:solidFill>
-                <a:hlinkClick r:id="rId15"/>
-              </a:rPr>
-              <a:t>Timing </a:t>
-            </a:r>
-            <a:r>
-              <a:rPr lang="en-GB" u="sng" dirty="0" smtClean="0">
-                <a:solidFill>
-                  <a:schemeClr val="tx1"/>
-                </a:solidFill>
-                <a:hlinkClick r:id="rId15"/>
-              </a:rPr>
-              <a:t>Diagram</a:t>
-            </a:r>
-            <a:r>
-              <a:rPr lang="en-US" dirty="0">
-                <a:solidFill>
-                  <a:schemeClr val="tx1"/>
-                </a:solidFill>
-              </a:rPr>
-              <a:t> </a:t>
-            </a:r>
-            <a:endParaRPr lang="en-GB" dirty="0">
-              <a:solidFill>
-                <a:schemeClr val="tx1"/>
-              </a:solidFill>
-            </a:endParaRPr>
-          </a:p>
-          <a:p>
             <a:pPr marL="370332" indent="-342900">
               <a:buFont typeface="Arial" pitchFamily="34" charset="0"/>
               <a:buChar char="•"/>
             </a:pPr>
             <a:r>
-              <a:rPr lang="en-GB" dirty="0" smtClean="0">
+              <a:rPr lang="en-GB" dirty="0">
                 <a:solidFill>
                   <a:schemeClr val="tx1"/>
                 </a:solidFill>
@@ -7243,7 +6687,7 @@
               <a:buFont typeface="Arial" pitchFamily="34" charset="0"/>
               <a:buChar char="•"/>
             </a:pPr>
-            <a:endParaRPr lang="en-GB" sz="2800" dirty="0" smtClean="0">
+            <a:endParaRPr lang="en-GB" sz="2800" dirty="0">
               <a:latin typeface="Arial" pitchFamily="34" charset="0"/>
               <a:cs typeface="Arial" pitchFamily="34" charset="0"/>
             </a:endParaRPr>
@@ -7266,10 +6710,9 @@
           <a:lstStyle/>
           <a:p>
             <a:r>
-              <a:rPr lang="en-GB" smtClean="0"/>
+              <a:rPr lang="en-GB"/>
               <a:t>USN ES UML4100 Lecture 2</a:t>
             </a:r>
-            <a:endParaRPr lang="en-GB"/>
           </a:p>
         </p:txBody>
       </p:sp>
@@ -7306,21 +6749,6 @@
   <p:clrMapOvr>
     <a:masterClrMapping/>
   </p:clrMapOvr>
-  <mc:AlternateContent xmlns:mc="http://schemas.openxmlformats.org/markup-compatibility/2006" xmlns:p14="http://schemas.microsoft.com/office/powerpoint/2010/main">
-    <mc:Choice Requires="p14">
-      <p:transition spd="slow" p14:dur="2000"/>
-    </mc:Choice>
-    <mc:Fallback xmlns="">
-      <p:transition spd="slow"/>
-    </mc:Fallback>
-  </mc:AlternateContent>
-  <p:timing>
-    <p:tnLst>
-      <p:par>
-        <p:cTn id="1" dur="indefinite" restart="never" nodeType="tmRoot"/>
-      </p:par>
-    </p:tnLst>
-  </p:timing>
 </p:sld>
 </file>
 
@@ -7364,73 +6792,38 @@
           <a:lstStyle/>
           <a:p>
             <a:pPr marL="370332" indent="-342900"/>
-            <a:r>
-              <a:rPr lang="en-US" sz="3600" dirty="0">
-                <a:latin typeface="Arial" pitchFamily="34" charset="0"/>
-                <a:cs typeface="Arial" pitchFamily="34" charset="0"/>
-              </a:rPr>
-              <a:t/>
-            </a:r>
             <a:br>
               <a:rPr lang="en-US" sz="3600" dirty="0">
                 <a:latin typeface="Arial" pitchFamily="34" charset="0"/>
                 <a:cs typeface="Arial" pitchFamily="34" charset="0"/>
               </a:rPr>
             </a:br>
-            <a:r>
-              <a:rPr lang="en-US" sz="3600" dirty="0" smtClean="0">
-                <a:latin typeface="Arial" pitchFamily="34" charset="0"/>
-                <a:cs typeface="Arial" pitchFamily="34" charset="0"/>
-              </a:rPr>
-              <a:t/>
-            </a:r>
-            <a:br>
-              <a:rPr lang="en-US" sz="3600" dirty="0" smtClean="0">
-                <a:latin typeface="Arial" pitchFamily="34" charset="0"/>
-                <a:cs typeface="Arial" pitchFamily="34" charset="0"/>
-              </a:rPr>
-            </a:br>
-            <a:r>
-              <a:rPr lang="en-US" sz="3600" dirty="0">
-                <a:latin typeface="Arial" pitchFamily="34" charset="0"/>
-                <a:cs typeface="Arial" pitchFamily="34" charset="0"/>
-              </a:rPr>
-              <a:t/>
-            </a:r>
             <a:br>
               <a:rPr lang="en-US" sz="3600" dirty="0">
                 <a:latin typeface="Arial" pitchFamily="34" charset="0"/>
                 <a:cs typeface="Arial" pitchFamily="34" charset="0"/>
               </a:rPr>
             </a:br>
-            <a:r>
-              <a:rPr lang="en-US" sz="3600" dirty="0" smtClean="0">
-                <a:latin typeface="Arial" pitchFamily="34" charset="0"/>
-                <a:cs typeface="Arial" pitchFamily="34" charset="0"/>
-              </a:rPr>
-              <a:t/>
-            </a:r>
-            <a:br>
-              <a:rPr lang="en-US" sz="3600" dirty="0" smtClean="0">
-                <a:latin typeface="Arial" pitchFamily="34" charset="0"/>
-                <a:cs typeface="Arial" pitchFamily="34" charset="0"/>
-              </a:rPr>
-            </a:br>
-            <a:r>
-              <a:rPr lang="en-US" sz="3600" dirty="0">
-                <a:latin typeface="Arial" pitchFamily="34" charset="0"/>
-                <a:cs typeface="Arial" pitchFamily="34" charset="0"/>
-              </a:rPr>
-              <a:t/>
-            </a:r>
             <a:br>
               <a:rPr lang="en-US" sz="3600" dirty="0">
                 <a:latin typeface="Arial" pitchFamily="34" charset="0"/>
                 <a:cs typeface="Arial" pitchFamily="34" charset="0"/>
               </a:rPr>
             </a:br>
-            <a:r>
-              <a:rPr lang="en-US" sz="4000" dirty="0" smtClean="0">
+            <a:br>
+              <a:rPr lang="en-US" sz="3600" dirty="0">
+                <a:latin typeface="Arial" pitchFamily="34" charset="0"/>
+                <a:cs typeface="Arial" pitchFamily="34" charset="0"/>
+              </a:rPr>
+            </a:br>
+            <a:br>
+              <a:rPr lang="en-US" sz="3600" dirty="0">
+                <a:latin typeface="Arial" pitchFamily="34" charset="0"/>
+                <a:cs typeface="Arial" pitchFamily="34" charset="0"/>
+              </a:rPr>
+            </a:br>
+            <a:r>
+              <a:rPr lang="en-US" sz="4000" dirty="0">
                 <a:latin typeface="Arial" pitchFamily="34" charset="0"/>
                 <a:cs typeface="Arial" pitchFamily="34" charset="0"/>
               </a:rPr>
@@ -7466,35 +6859,21 @@
           <a:lstStyle/>
           <a:p>
             <a:r>
-              <a:rPr lang="en-GB" sz="2400" dirty="0" smtClean="0"/>
-              <a:t>Definition </a:t>
-            </a:r>
-            <a:r>
               <a:rPr lang="en-GB" sz="2400" dirty="0"/>
-              <a:t>from </a:t>
+              <a:t>Definition from </a:t>
             </a:r>
             <a:r>
               <a:rPr lang="en-GB" sz="2400" dirty="0">
                 <a:hlinkClick r:id="rId2"/>
               </a:rPr>
-              <a:t>http://</a:t>
-            </a:r>
-            <a:r>
-              <a:rPr lang="en-GB" sz="2400" dirty="0" smtClean="0">
-                <a:hlinkClick r:id="rId2"/>
-              </a:rPr>
-              <a:t>www.sparxsystems.com/resources/developers/uml_profiles.html</a:t>
-            </a:r>
-            <a:endParaRPr lang="en-GB" sz="2400" dirty="0" smtClean="0"/>
-          </a:p>
-          <a:p>
-            <a:r>
-              <a:rPr lang="en-GB" b="1" dirty="0" smtClean="0"/>
-              <a:t>UML </a:t>
-            </a:r>
+              <a:t>http://www.sparxsystems.com/resources/developers/uml_profiles.html</a:t>
+            </a:r>
+            <a:endParaRPr lang="en-GB" sz="2400" dirty="0"/>
+          </a:p>
+          <a:p>
             <a:r>
               <a:rPr lang="en-GB" b="1" dirty="0"/>
-              <a:t>Profiles</a:t>
+              <a:t>UML Profiles</a:t>
             </a:r>
             <a:r>
               <a:rPr lang="en-GB" dirty="0"/>
@@ -7508,27 +6887,17 @@
               <a:rPr lang="en-GB" dirty="0"/>
               <a:t> models in particular domains. </a:t>
             </a:r>
-            <a:endParaRPr lang="en-GB" dirty="0" smtClean="0"/>
           </a:p>
           <a:p>
             <a:pPr lvl="1" algn="l"/>
             <a:r>
-              <a:rPr lang="en-GB" dirty="0" smtClean="0"/>
-              <a:t>They </a:t>
-            </a:r>
-            <a:r>
               <a:rPr lang="en-GB" dirty="0"/>
-              <a:t>are based on additional Stereotypes and Tagged values that are applied to Elements, Attributes, Methods, Links, Link Ends </a:t>
-            </a:r>
-            <a:r>
-              <a:rPr lang="en-GB" dirty="0" smtClean="0"/>
-              <a:t>….</a:t>
-            </a:r>
-            <a:endParaRPr lang="en-GB" dirty="0"/>
-          </a:p>
-          <a:p>
-            <a:r>
-              <a:rPr lang="en-GB" dirty="0" smtClean="0">
+              <a:t>They are based on additional Stereotypes and Tagged values that are applied to Elements, Attributes, Methods, Links, Link Ends ….</a:t>
+            </a:r>
+          </a:p>
+          <a:p>
+            <a:r>
+              <a:rPr lang="en-GB" dirty="0">
                 <a:latin typeface="Arial" pitchFamily="34" charset="0"/>
                 <a:cs typeface="Arial" pitchFamily="34" charset="0"/>
               </a:rPr>
@@ -7537,39 +6906,11 @@
           </a:p>
           <a:p>
             <a:r>
-              <a:rPr lang="en-GB" dirty="0" smtClean="0">
-                <a:latin typeface="Arial" pitchFamily="34" charset="0"/>
-                <a:cs typeface="Arial" pitchFamily="34" charset="0"/>
-              </a:rPr>
-              <a:t>We can stereotype UML modelling elements: create new elements and elements specific to </a:t>
-            </a:r>
-            <a:r>
-              <a:rPr lang="en-GB" dirty="0" err="1" smtClean="0">
-                <a:latin typeface="Arial" pitchFamily="34" charset="0"/>
-                <a:cs typeface="Arial" pitchFamily="34" charset="0"/>
-              </a:rPr>
-              <a:t>th</a:t>
-            </a:r>
-            <a:r>
-              <a:rPr lang="en-GB" dirty="0" smtClean="0">
-                <a:latin typeface="Arial" pitchFamily="34" charset="0"/>
-                <a:cs typeface="Arial" pitchFamily="34" charset="0"/>
-              </a:rPr>
-              <a:t> </a:t>
-            </a:r>
-            <a:r>
-              <a:rPr lang="en-GB" dirty="0" err="1" smtClean="0">
-                <a:latin typeface="Arial" pitchFamily="34" charset="0"/>
-                <a:cs typeface="Arial" pitchFamily="34" charset="0"/>
-              </a:rPr>
-              <a:t>eproblem</a:t>
-            </a:r>
-            <a:r>
-              <a:rPr lang="en-GB" dirty="0" smtClean="0">
-                <a:latin typeface="Arial" pitchFamily="34" charset="0"/>
-                <a:cs typeface="Arial" pitchFamily="34" charset="0"/>
-              </a:rPr>
-              <a:t> domain? </a:t>
+              <a:rPr lang="en-GB" dirty="0">
+                <a:latin typeface="Arial" pitchFamily="34" charset="0"/>
+                <a:cs typeface="Arial" pitchFamily="34" charset="0"/>
+              </a:rPr>
+              <a:t>We can stereotype UML modelling elements: create new elements and elements specific to the problem domain? </a:t>
             </a:r>
           </a:p>
         </p:txBody>
@@ -7590,10 +6931,9 @@
           <a:lstStyle/>
           <a:p>
             <a:r>
-              <a:rPr lang="en-GB" smtClean="0"/>
+              <a:rPr lang="en-GB"/>
               <a:t>USN ES UML4100 Lecture 2</a:t>
             </a:r>
-            <a:endParaRPr lang="en-GB"/>
           </a:p>
         </p:txBody>
       </p:sp>
@@ -7630,21 +6970,6 @@
   <p:clrMapOvr>
     <a:masterClrMapping/>
   </p:clrMapOvr>
-  <mc:AlternateContent xmlns:mc="http://schemas.openxmlformats.org/markup-compatibility/2006" xmlns:p14="http://schemas.microsoft.com/office/powerpoint/2010/main">
-    <mc:Choice Requires="p14">
-      <p:transition spd="slow" p14:dur="2000"/>
-    </mc:Choice>
-    <mc:Fallback xmlns="">
-      <p:transition spd="slow"/>
-    </mc:Fallback>
-  </mc:AlternateContent>
-  <p:timing>
-    <p:tnLst>
-      <p:par>
-        <p:cTn id="1" dur="indefinite" restart="never" nodeType="tmRoot"/>
-      </p:par>
-    </p:tnLst>
-  </p:timing>
 </p:sld>
 </file>
 
@@ -7693,14 +7018,7 @@
                 <a:latin typeface="Arial" pitchFamily="34" charset="0"/>
                 <a:cs typeface="Arial" pitchFamily="34" charset="0"/>
               </a:rPr>
-              <a:t>UML and </a:t>
-            </a:r>
-            <a:r>
-              <a:rPr lang="en-US" sz="3600" dirty="0" smtClean="0">
-                <a:latin typeface="Arial" pitchFamily="34" charset="0"/>
-                <a:cs typeface="Arial" pitchFamily="34" charset="0"/>
-              </a:rPr>
-              <a:t>OO Software Development</a:t>
+              <a:t>UML and OO Software Development</a:t>
             </a:r>
             <a:endParaRPr lang="en-GB" sz="3600" b="1" dirty="0">
               <a:latin typeface="Arial" pitchFamily="34" charset="0"/>
@@ -7736,7 +7054,7 @@
               <a:buChar char="•"/>
             </a:pPr>
             <a:r>
-              <a:rPr lang="en-GB" sz="2600" dirty="0" smtClean="0">
+              <a:rPr lang="en-GB" sz="2600" dirty="0">
                 <a:latin typeface="Arial" pitchFamily="34" charset="0"/>
                 <a:cs typeface="Arial" pitchFamily="34" charset="0"/>
               </a:rPr>
@@ -7749,21 +7067,17 @@
               <a:buChar char="•"/>
             </a:pPr>
             <a:r>
-              <a:rPr lang="en-GB" sz="2600" dirty="0" smtClean="0">
+              <a:rPr lang="en-GB" sz="2600" dirty="0">
                 <a:latin typeface="Arial" pitchFamily="34" charset="0"/>
                 <a:cs typeface="Arial" pitchFamily="34" charset="0"/>
               </a:rPr>
               <a:t>Example is component and service based system development!</a:t>
             </a:r>
-            <a:endParaRPr lang="en-GB" sz="2600" dirty="0">
-              <a:latin typeface="Arial" pitchFamily="34" charset="0"/>
-              <a:cs typeface="Arial" pitchFamily="34" charset="0"/>
-            </a:endParaRPr>
           </a:p>
           <a:p>
             <a:pPr lvl="1" algn="l"/>
             <a:r>
-              <a:rPr lang="en-GB" dirty="0" smtClean="0">
+              <a:rPr lang="en-GB" dirty="0">
                 <a:latin typeface="Arial" pitchFamily="34" charset="0"/>
                 <a:cs typeface="Arial" pitchFamily="34" charset="0"/>
               </a:rPr>
@@ -7776,7 +7090,7 @@
               <a:buChar char="•"/>
             </a:pPr>
             <a:r>
-              <a:rPr lang="en-GB" sz="2600" dirty="0" smtClean="0">
+              <a:rPr lang="en-GB" sz="2600" dirty="0">
                 <a:latin typeface="Arial" pitchFamily="34" charset="0"/>
                 <a:cs typeface="Arial" pitchFamily="34" charset="0"/>
               </a:rPr>
@@ -7789,7 +7103,7 @@
               <a:buChar char="•"/>
             </a:pPr>
             <a:r>
-              <a:rPr lang="en-GB" sz="2600" dirty="0" smtClean="0">
+              <a:rPr lang="en-GB" sz="2600" dirty="0">
                 <a:latin typeface="Arial" pitchFamily="34" charset="0"/>
                 <a:cs typeface="Arial" pitchFamily="34" charset="0"/>
               </a:rPr>
@@ -7814,10 +7128,9 @@
           <a:lstStyle/>
           <a:p>
             <a:r>
-              <a:rPr lang="en-GB" smtClean="0"/>
+              <a:rPr lang="en-GB"/>
               <a:t>USN ES UML4100 Lecture 2</a:t>
             </a:r>
-            <a:endParaRPr lang="en-GB"/>
           </a:p>
         </p:txBody>
       </p:sp>
@@ -7854,21 +7167,6 @@
   <p:clrMapOvr>
     <a:masterClrMapping/>
   </p:clrMapOvr>
-  <mc:AlternateContent xmlns:mc="http://schemas.openxmlformats.org/markup-compatibility/2006" xmlns:p14="http://schemas.microsoft.com/office/powerpoint/2010/main">
-    <mc:Choice Requires="p14">
-      <p:transition spd="slow" p14:dur="2000"/>
-    </mc:Choice>
-    <mc:Fallback xmlns="">
-      <p:transition spd="slow"/>
-    </mc:Fallback>
-  </mc:AlternateContent>
-  <p:timing>
-    <p:tnLst>
-      <p:par>
-        <p:cTn id="1" dur="indefinite" restart="never" nodeType="tmRoot"/>
-      </p:par>
-    </p:tnLst>
-  </p:timing>
 </p:sld>
 </file>
 
